--- a/docs/HTW-Quiz (Abschlusspräsentation).pptx
+++ b/docs/HTW-Quiz (Abschlusspräsentation).pptx
@@ -3954,7 +3954,7 @@
         <a:lstStyle/>
         <a:p>
           <a:r>
-            <a:rPr lang="de-DE" dirty="0"/>
+            <a:rPr lang="de-DE"/>
             <a:t>HTW Quiz</a:t>
           </a:r>
         </a:p>
@@ -3990,7 +3990,7 @@
         <a:lstStyle/>
         <a:p>
           <a:r>
-            <a:rPr lang="de-DE" dirty="0"/>
+            <a:rPr lang="de-DE"/>
             <a:t>Frontend</a:t>
           </a:r>
         </a:p>
@@ -4026,7 +4026,7 @@
         <a:lstStyle/>
         <a:p>
           <a:r>
-            <a:rPr lang="de-DE" dirty="0"/>
+            <a:rPr lang="de-DE"/>
             <a:t>Backend</a:t>
           </a:r>
         </a:p>
@@ -4242,7 +4242,7 @@
         <a:lstStyle/>
         <a:p>
           <a:r>
-            <a:rPr lang="de-DE" dirty="0">
+            <a:rPr lang="de-DE">
               <a:ln>
                 <a:noFill/>
               </a:ln>
@@ -4293,7 +4293,7 @@
         <a:lstStyle/>
         <a:p>
           <a:r>
-            <a:rPr lang="de-DE" dirty="0">
+            <a:rPr lang="de-DE">
               <a:ln>
                 <a:noFill/>
               </a:ln>
@@ -4476,18 +4476,18 @@
         <a:lstStyle/>
         <a:p>
           <a:r>
-            <a:rPr lang="de-DE" dirty="0" err="1"/>
+            <a:rPr lang="de-DE" err="1"/>
             <a:t>api</a:t>
           </a:r>
           <a:r>
-            <a:rPr lang="de-DE" dirty="0"/>
+            <a:rPr lang="de-DE"/>
             <a:t>/</a:t>
           </a:r>
           <a:r>
-            <a:rPr lang="de-DE" dirty="0" err="1"/>
+            <a:rPr lang="de-DE" err="1"/>
             <a:t>server</a:t>
           </a:r>
-          <a:endParaRPr lang="de-DE" dirty="0"/>
+          <a:endParaRPr lang="de-DE"/>
         </a:p>
       </dgm:t>
     </dgm:pt>
@@ -4521,10 +4521,10 @@
         <a:lstStyle/>
         <a:p>
           <a:r>
-            <a:rPr lang="de-DE" dirty="0" err="1"/>
+            <a:rPr lang="de-DE" err="1"/>
             <a:t>models</a:t>
           </a:r>
-          <a:endParaRPr lang="de-DE" dirty="0"/>
+          <a:endParaRPr lang="de-DE"/>
         </a:p>
       </dgm:t>
     </dgm:pt>
@@ -4558,10 +4558,10 @@
         <a:lstStyle/>
         <a:p>
           <a:r>
-            <a:rPr lang="de-DE" dirty="0" err="1"/>
+            <a:rPr lang="de-DE" err="1"/>
             <a:t>sql</a:t>
           </a:r>
-          <a:endParaRPr lang="de-DE" dirty="0"/>
+          <a:endParaRPr lang="de-DE"/>
         </a:p>
       </dgm:t>
     </dgm:pt>
@@ -4595,10 +4595,10 @@
         <a:lstStyle/>
         <a:p>
           <a:r>
-            <a:rPr lang="de-DE" dirty="0" err="1"/>
+            <a:rPr lang="de-DE" err="1"/>
             <a:t>boot</a:t>
           </a:r>
-          <a:endParaRPr lang="de-DE" dirty="0"/>
+          <a:endParaRPr lang="de-DE"/>
         </a:p>
       </dgm:t>
     </dgm:pt>
@@ -4859,7 +4859,7 @@
         <a:lstStyle/>
         <a:p>
           <a:r>
-            <a:rPr lang="de-DE" dirty="0">
+            <a:rPr lang="de-DE">
               <a:ln>
                 <a:noFill/>
               </a:ln>
@@ -4914,7 +4914,7 @@
         <a:lstStyle/>
         <a:p>
           <a:r>
-            <a:rPr lang="de-DE" dirty="0">
+            <a:rPr lang="de-DE">
               <a:ln>
                 <a:noFill/>
               </a:ln>
@@ -5100,18 +5100,26 @@
         <a:lstStyle/>
         <a:p>
           <a:r>
-            <a:rPr lang="de-DE" dirty="0" err="1"/>
+            <a:rPr lang="de-DE" b="1" err="1"/>
             <a:t>app</a:t>
           </a:r>
           <a:r>
-            <a:rPr lang="de-DE" dirty="0"/>
+            <a:rPr lang="de-DE" b="1"/>
             <a:t>/</a:t>
           </a:r>
           <a:r>
-            <a:rPr lang="de-DE" dirty="0" err="1"/>
+            <a:rPr lang="de-DE" b="1" err="1"/>
             <a:t>client</a:t>
           </a:r>
-          <a:endParaRPr lang="de-DE" dirty="0"/>
+          <a:r>
+            <a:rPr lang="de-DE" b="1"/>
+            <a:t>/</a:t>
+          </a:r>
+          <a:r>
+            <a:rPr lang="de-DE" b="1" err="1"/>
+            <a:t>sources</a:t>
+          </a:r>
+          <a:endParaRPr lang="de-DE" b="1"/>
         </a:p>
       </dgm:t>
     </dgm:pt>
@@ -5145,10 +5153,10 @@
         <a:lstStyle/>
         <a:p>
           <a:r>
-            <a:rPr lang="de-DE" dirty="0" err="1"/>
+            <a:rPr lang="de-DE" b="1" err="1"/>
             <a:t>environment</a:t>
           </a:r>
-          <a:endParaRPr lang="de-DE" dirty="0"/>
+          <a:endParaRPr lang="de-DE" b="1"/>
         </a:p>
       </dgm:t>
     </dgm:pt>
@@ -5182,10 +5190,10 @@
         <a:lstStyle/>
         <a:p>
           <a:r>
-            <a:rPr lang="de-DE" dirty="0" err="1"/>
+            <a:rPr lang="de-DE" b="1" err="1"/>
             <a:t>pages</a:t>
           </a:r>
-          <a:endParaRPr lang="de-DE" dirty="0"/>
+          <a:endParaRPr lang="de-DE" b="1"/>
         </a:p>
       </dgm:t>
     </dgm:pt>
@@ -5219,10 +5227,10 @@
         <a:lstStyle/>
         <a:p>
           <a:r>
-            <a:rPr lang="de-DE" dirty="0" err="1"/>
+            <a:rPr lang="de-DE" b="1" err="1"/>
             <a:t>components</a:t>
           </a:r>
-          <a:endParaRPr lang="de-DE" dirty="0"/>
+          <a:endParaRPr lang="de-DE" b="1"/>
         </a:p>
       </dgm:t>
     </dgm:pt>
@@ -5256,20 +5264,34 @@
         <a:lstStyle/>
         <a:p>
           <a:r>
-            <a:rPr lang="de-DE" dirty="0" err="1"/>
+            <a:rPr lang="de-DE" b="1" err="1"/>
             <a:t>services</a:t>
           </a:r>
-          <a:endParaRPr lang="de-DE" dirty="0"/>
+          <a:endParaRPr lang="de-DE" b="1"/>
         </a:p>
       </dgm:t>
     </dgm:pt>
     <dgm:pt modelId="{CBC4BEF0-2AB9-4586-A9AF-37EC5A8070E6}" type="parTrans" cxnId="{94445717-E6F7-4968-9552-05B34E0800E8}">
       <dgm:prSet/>
       <dgm:spPr/>
+      <dgm:t>
+        <a:bodyPr/>
+        <a:lstStyle/>
+        <a:p>
+          <a:endParaRPr lang="de-DE"/>
+        </a:p>
+      </dgm:t>
     </dgm:pt>
     <dgm:pt modelId="{5EB1C19E-3EB9-4FAC-9470-FF83492341BB}" type="sibTrans" cxnId="{94445717-E6F7-4968-9552-05B34E0800E8}">
       <dgm:prSet/>
       <dgm:spPr/>
+      <dgm:t>
+        <a:bodyPr/>
+        <a:lstStyle/>
+        <a:p>
+          <a:endParaRPr lang="de-DE"/>
+        </a:p>
+      </dgm:t>
     </dgm:pt>
     <dgm:pt modelId="{4564D5F9-ED1D-4BDC-AFC8-810338B0C37C}">
       <dgm:prSet phldrT="[Text]"/>
@@ -5279,20 +5301,34 @@
         <a:lstStyle/>
         <a:p>
           <a:r>
-            <a:rPr lang="de-DE" dirty="0" err="1"/>
+            <a:rPr lang="de-DE" b="1" err="1"/>
             <a:t>plugins</a:t>
           </a:r>
-          <a:endParaRPr lang="de-DE" dirty="0"/>
+          <a:endParaRPr lang="de-DE" b="1"/>
         </a:p>
       </dgm:t>
     </dgm:pt>
     <dgm:pt modelId="{52687A34-2A2F-47D4-A20F-1A5C35B9E8F3}" type="parTrans" cxnId="{C362AF24-E8C4-4322-8E21-A3A590D59582}">
       <dgm:prSet/>
       <dgm:spPr/>
+      <dgm:t>
+        <a:bodyPr/>
+        <a:lstStyle/>
+        <a:p>
+          <a:endParaRPr lang="de-DE"/>
+        </a:p>
+      </dgm:t>
     </dgm:pt>
     <dgm:pt modelId="{B3243648-276F-4881-B924-67B2D590A41C}" type="sibTrans" cxnId="{C362AF24-E8C4-4322-8E21-A3A590D59582}">
       <dgm:prSet/>
       <dgm:spPr/>
+      <dgm:t>
+        <a:bodyPr/>
+        <a:lstStyle/>
+        <a:p>
+          <a:endParaRPr lang="de-DE"/>
+        </a:p>
+      </dgm:t>
     </dgm:pt>
     <dgm:pt modelId="{5ACF701B-BAEE-4FF3-B130-0773322B5392}">
       <dgm:prSet phldrT="[Text]"/>
@@ -5302,20 +5338,34 @@
         <a:lstStyle/>
         <a:p>
           <a:r>
-            <a:rPr lang="de-DE" dirty="0" err="1"/>
+            <a:rPr lang="de-DE" b="1" err="1"/>
             <a:t>assets</a:t>
           </a:r>
-          <a:endParaRPr lang="de-DE" dirty="0"/>
+          <a:endParaRPr lang="de-DE" b="1"/>
         </a:p>
       </dgm:t>
     </dgm:pt>
     <dgm:pt modelId="{B4A09726-DF2F-40CB-9108-B607313DB5CA}" type="parTrans" cxnId="{45D5CFEE-64A9-49FD-BFD4-302608A0C56E}">
       <dgm:prSet/>
       <dgm:spPr/>
+      <dgm:t>
+        <a:bodyPr/>
+        <a:lstStyle/>
+        <a:p>
+          <a:endParaRPr lang="de-DE"/>
+        </a:p>
+      </dgm:t>
     </dgm:pt>
     <dgm:pt modelId="{64773039-7135-4ACD-8BFE-CB3D88D2B240}" type="sibTrans" cxnId="{45D5CFEE-64A9-49FD-BFD4-302608A0C56E}">
       <dgm:prSet/>
       <dgm:spPr/>
+      <dgm:t>
+        <a:bodyPr/>
+        <a:lstStyle/>
+        <a:p>
+          <a:endParaRPr lang="de-DE"/>
+        </a:p>
+      </dgm:t>
     </dgm:pt>
     <dgm:pt modelId="{7EE1AC93-6F75-4A71-AAB8-0FCEA85D218B}" type="pres">
       <dgm:prSet presAssocID="{144C8C7C-EF95-4460-8078-3A8C1D4E38E8}" presName="hierChild1" presStyleCnt="0">
@@ -5343,7 +5393,7 @@
       <dgm:spPr/>
     </dgm:pt>
     <dgm:pt modelId="{402C384C-D2AD-430B-A376-13111E4325DC}" type="pres">
-      <dgm:prSet presAssocID="{D28A3D82-FFFF-4496-B050-061E98654DFC}" presName="rootText1" presStyleLbl="node0" presStyleIdx="0" presStyleCnt="1" custLinFactNeighborY="1204">
+      <dgm:prSet presAssocID="{D28A3D82-FFFF-4496-B050-061E98654DFC}" presName="rootText1" presStyleLbl="node0" presStyleIdx="0" presStyleCnt="1" custScaleX="231975" custScaleY="207936" custLinFactNeighborY="1204">
         <dgm:presLayoutVars>
           <dgm:chPref val="3"/>
         </dgm:presLayoutVars>
@@ -6151,7 +6201,7 @@
             <a:buNone/>
           </a:pPr>
           <a:r>
-            <a:rPr lang="de-DE" sz="2000" kern="1200" dirty="0">
+            <a:rPr lang="de-DE" sz="2000" kern="1200">
               <a:ln>
                 <a:noFill/>
               </a:ln>
@@ -6235,7 +6285,7 @@
             <a:buNone/>
           </a:pPr>
           <a:r>
-            <a:rPr lang="de-DE" sz="2000" kern="1200" dirty="0">
+            <a:rPr lang="de-DE" sz="2000" kern="1200">
               <a:ln>
                 <a:noFill/>
               </a:ln>
@@ -6505,18 +6555,18 @@
             <a:buNone/>
           </a:pPr>
           <a:r>
-            <a:rPr lang="de-DE" sz="3300" kern="1200" dirty="0" err="1"/>
+            <a:rPr lang="de-DE" sz="3300" kern="1200" err="1"/>
             <a:t>api</a:t>
           </a:r>
           <a:r>
-            <a:rPr lang="de-DE" sz="3300" kern="1200" dirty="0"/>
+            <a:rPr lang="de-DE" sz="3300" kern="1200"/>
             <a:t>/</a:t>
           </a:r>
           <a:r>
-            <a:rPr lang="de-DE" sz="3300" kern="1200" dirty="0" err="1"/>
+            <a:rPr lang="de-DE" sz="3300" kern="1200" err="1"/>
             <a:t>server</a:t>
           </a:r>
-          <a:endParaRPr lang="de-DE" sz="3300" kern="1200" dirty="0"/>
+          <a:endParaRPr lang="de-DE" sz="3300" kern="1200"/>
         </a:p>
       </dsp:txBody>
       <dsp:txXfrm>
@@ -6591,10 +6641,10 @@
             <a:buNone/>
           </a:pPr>
           <a:r>
-            <a:rPr lang="de-DE" sz="3300" kern="1200" dirty="0" err="1"/>
+            <a:rPr lang="de-DE" sz="3300" kern="1200" err="1"/>
             <a:t>models</a:t>
           </a:r>
-          <a:endParaRPr lang="de-DE" sz="3300" kern="1200" dirty="0"/>
+          <a:endParaRPr lang="de-DE" sz="3300" kern="1200"/>
         </a:p>
       </dsp:txBody>
       <dsp:txXfrm>
@@ -6669,10 +6719,10 @@
             <a:buNone/>
           </a:pPr>
           <a:r>
-            <a:rPr lang="de-DE" sz="3300" kern="1200" dirty="0" err="1"/>
+            <a:rPr lang="de-DE" sz="3300" kern="1200" err="1"/>
             <a:t>sql</a:t>
           </a:r>
-          <a:endParaRPr lang="de-DE" sz="3300" kern="1200" dirty="0"/>
+          <a:endParaRPr lang="de-DE" sz="3300" kern="1200"/>
         </a:p>
       </dsp:txBody>
       <dsp:txXfrm>
@@ -6747,10 +6797,10 @@
             <a:buNone/>
           </a:pPr>
           <a:r>
-            <a:rPr lang="de-DE" sz="3300" kern="1200" dirty="0" err="1"/>
+            <a:rPr lang="de-DE" sz="3300" kern="1200" err="1"/>
             <a:t>boot</a:t>
           </a:r>
-          <a:endParaRPr lang="de-DE" sz="3300" kern="1200" dirty="0"/>
+          <a:endParaRPr lang="de-DE" sz="3300" kern="1200"/>
         </a:p>
       </dsp:txBody>
       <dsp:txXfrm>
@@ -6881,7 +6931,7 @@
             <a:buNone/>
           </a:pPr>
           <a:r>
-            <a:rPr lang="de-DE" sz="2000" kern="1200" dirty="0">
+            <a:rPr lang="de-DE" sz="2000" kern="1200">
               <a:ln>
                 <a:noFill/>
               </a:ln>
@@ -6960,7 +7010,7 @@
             <a:buNone/>
           </a:pPr>
           <a:r>
-            <a:rPr lang="de-DE" sz="2000" kern="1200" dirty="0">
+            <a:rPr lang="de-DE" sz="2000" kern="1200">
               <a:ln>
                 <a:noFill/>
               </a:ln>
@@ -6996,8 +7046,8 @@
       </dsp:nvSpPr>
       <dsp:spPr>
         <a:xfrm>
-          <a:off x="3289139" y="2253343"/>
-          <a:ext cx="2820807" cy="190211"/>
+          <a:off x="3685690" y="2591664"/>
+          <a:ext cx="3160894" cy="213143"/>
         </a:xfrm>
         <a:custGeom>
           <a:avLst/>
@@ -7011,13 +7061,13 @@
                 <a:pt x="0" y="0"/>
               </a:moveTo>
               <a:lnTo>
-                <a:pt x="0" y="92298"/>
+                <a:pt x="0" y="103426"/>
               </a:lnTo>
               <a:lnTo>
-                <a:pt x="2820807" y="92298"/>
+                <a:pt x="3160894" y="103426"/>
               </a:lnTo>
               <a:lnTo>
-                <a:pt x="2820807" y="190211"/>
+                <a:pt x="3160894" y="213143"/>
               </a:lnTo>
             </a:path>
           </a:pathLst>
@@ -7057,8 +7107,8 @@
       </dsp:nvSpPr>
       <dsp:spPr>
         <a:xfrm>
-          <a:off x="3289139" y="2253343"/>
-          <a:ext cx="1692484" cy="190211"/>
+          <a:off x="3685690" y="2591664"/>
+          <a:ext cx="1896536" cy="213143"/>
         </a:xfrm>
         <a:custGeom>
           <a:avLst/>
@@ -7072,13 +7122,13 @@
                 <a:pt x="0" y="0"/>
               </a:moveTo>
               <a:lnTo>
-                <a:pt x="0" y="92298"/>
+                <a:pt x="0" y="103426"/>
               </a:lnTo>
               <a:lnTo>
-                <a:pt x="1692484" y="92298"/>
+                <a:pt x="1896536" y="103426"/>
               </a:lnTo>
               <a:lnTo>
-                <a:pt x="1692484" y="190211"/>
+                <a:pt x="1896536" y="213143"/>
               </a:lnTo>
             </a:path>
           </a:pathLst>
@@ -7118,8 +7168,8 @@
       </dsp:nvSpPr>
       <dsp:spPr>
         <a:xfrm>
-          <a:off x="3289139" y="2253343"/>
-          <a:ext cx="564161" cy="190211"/>
+          <a:off x="3685690" y="2591664"/>
+          <a:ext cx="632178" cy="213143"/>
         </a:xfrm>
         <a:custGeom>
           <a:avLst/>
@@ -7133,13 +7183,13 @@
                 <a:pt x="0" y="0"/>
               </a:moveTo>
               <a:lnTo>
-                <a:pt x="0" y="92298"/>
+                <a:pt x="0" y="103426"/>
               </a:lnTo>
               <a:lnTo>
-                <a:pt x="564161" y="92298"/>
+                <a:pt x="632178" y="103426"/>
               </a:lnTo>
               <a:lnTo>
-                <a:pt x="564161" y="190211"/>
+                <a:pt x="632178" y="213143"/>
               </a:lnTo>
             </a:path>
           </a:pathLst>
@@ -7179,8 +7229,8 @@
       </dsp:nvSpPr>
       <dsp:spPr>
         <a:xfrm>
-          <a:off x="2724977" y="2253343"/>
-          <a:ext cx="564161" cy="190211"/>
+          <a:off x="3053511" y="2591664"/>
+          <a:ext cx="632178" cy="213143"/>
         </a:xfrm>
         <a:custGeom>
           <a:avLst/>
@@ -7191,16 +7241,16 @@
           <a:pathLst>
             <a:path>
               <a:moveTo>
-                <a:pt x="564161" y="0"/>
+                <a:pt x="632178" y="0"/>
               </a:moveTo>
               <a:lnTo>
-                <a:pt x="564161" y="92298"/>
+                <a:pt x="632178" y="103426"/>
               </a:lnTo>
               <a:lnTo>
-                <a:pt x="0" y="92298"/>
+                <a:pt x="0" y="103426"/>
               </a:lnTo>
               <a:lnTo>
-                <a:pt x="0" y="190211"/>
+                <a:pt x="0" y="213143"/>
               </a:lnTo>
             </a:path>
           </a:pathLst>
@@ -7240,8 +7290,8 @@
       </dsp:nvSpPr>
       <dsp:spPr>
         <a:xfrm>
-          <a:off x="1596654" y="2253343"/>
-          <a:ext cx="1692484" cy="190211"/>
+          <a:off x="1789153" y="2591664"/>
+          <a:ext cx="1896536" cy="213143"/>
         </a:xfrm>
         <a:custGeom>
           <a:avLst/>
@@ -7252,16 +7302,16 @@
           <a:pathLst>
             <a:path>
               <a:moveTo>
-                <a:pt x="1692484" y="0"/>
+                <a:pt x="1896536" y="0"/>
               </a:moveTo>
               <a:lnTo>
-                <a:pt x="1692484" y="92298"/>
+                <a:pt x="1896536" y="103426"/>
               </a:lnTo>
               <a:lnTo>
-                <a:pt x="0" y="92298"/>
+                <a:pt x="0" y="103426"/>
               </a:lnTo>
               <a:lnTo>
-                <a:pt x="0" y="190211"/>
+                <a:pt x="0" y="213143"/>
               </a:lnTo>
             </a:path>
           </a:pathLst>
@@ -7301,8 +7351,8 @@
       </dsp:nvSpPr>
       <dsp:spPr>
         <a:xfrm>
-          <a:off x="468331" y="2253343"/>
-          <a:ext cx="2820807" cy="190211"/>
+          <a:off x="524795" y="2591664"/>
+          <a:ext cx="3160894" cy="213143"/>
         </a:xfrm>
         <a:custGeom>
           <a:avLst/>
@@ -7313,16 +7363,16 @@
           <a:pathLst>
             <a:path>
               <a:moveTo>
-                <a:pt x="2820807" y="0"/>
+                <a:pt x="3160894" y="0"/>
               </a:moveTo>
               <a:lnTo>
-                <a:pt x="2820807" y="92298"/>
+                <a:pt x="3160894" y="103426"/>
               </a:lnTo>
               <a:lnTo>
-                <a:pt x="0" y="92298"/>
+                <a:pt x="0" y="103426"/>
               </a:lnTo>
               <a:lnTo>
-                <a:pt x="0" y="190211"/>
+                <a:pt x="0" y="213143"/>
               </a:lnTo>
             </a:path>
           </a:pathLst>
@@ -7362,8 +7412,8 @@
       </dsp:nvSpPr>
       <dsp:spPr>
         <a:xfrm>
-          <a:off x="2822890" y="1787094"/>
-          <a:ext cx="932498" cy="466249"/>
+          <a:off x="2473709" y="1505278"/>
+          <a:ext cx="2423961" cy="1086386"/>
         </a:xfrm>
         <a:prstGeom prst="rect">
           <a:avLst/>
@@ -7422,23 +7472,31 @@
             <a:buNone/>
           </a:pPr>
           <a:r>
-            <a:rPr lang="de-DE" sz="1300" kern="1200" dirty="0" err="1"/>
+            <a:rPr lang="de-DE" sz="1300" b="1" kern="1200" err="1"/>
             <a:t>app</a:t>
           </a:r>
           <a:r>
-            <a:rPr lang="de-DE" sz="1300" kern="1200" dirty="0"/>
+            <a:rPr lang="de-DE" sz="1300" b="1" kern="1200"/>
             <a:t>/</a:t>
           </a:r>
           <a:r>
-            <a:rPr lang="de-DE" sz="1300" kern="1200" dirty="0" err="1"/>
+            <a:rPr lang="de-DE" sz="1300" b="1" kern="1200" err="1"/>
             <a:t>client</a:t>
           </a:r>
-          <a:endParaRPr lang="de-DE" sz="1300" kern="1200" dirty="0"/>
+          <a:r>
+            <a:rPr lang="de-DE" sz="1300" b="1" kern="1200"/>
+            <a:t>/</a:t>
+          </a:r>
+          <a:r>
+            <a:rPr lang="de-DE" sz="1300" b="1" kern="1200" err="1"/>
+            <a:t>sources</a:t>
+          </a:r>
+          <a:endParaRPr lang="de-DE" sz="1300" b="1" kern="1200"/>
         </a:p>
       </dsp:txBody>
       <dsp:txXfrm>
-        <a:off x="2822890" y="1787094"/>
-        <a:ext cx="932498" cy="466249"/>
+        <a:off x="2473709" y="1505278"/>
+        <a:ext cx="2423961" cy="1086386"/>
       </dsp:txXfrm>
     </dsp:sp>
     <dsp:sp modelId="{E302457C-FEA0-4587-97A2-9E12DFFF348C}">
@@ -7448,8 +7506,8 @@
       </dsp:nvSpPr>
       <dsp:spPr>
         <a:xfrm>
-          <a:off x="2082" y="2443554"/>
-          <a:ext cx="932498" cy="466249"/>
+          <a:off x="2333" y="2804808"/>
+          <a:ext cx="1044923" cy="522461"/>
         </a:xfrm>
         <a:prstGeom prst="rect">
           <a:avLst/>
@@ -7508,15 +7566,15 @@
             <a:buNone/>
           </a:pPr>
           <a:r>
-            <a:rPr lang="de-DE" sz="1300" kern="1200" dirty="0" err="1"/>
+            <a:rPr lang="de-DE" sz="1300" b="1" kern="1200" err="1"/>
             <a:t>environment</a:t>
           </a:r>
-          <a:endParaRPr lang="de-DE" sz="1300" kern="1200" dirty="0"/>
+          <a:endParaRPr lang="de-DE" sz="1300" b="1" kern="1200"/>
         </a:p>
       </dsp:txBody>
       <dsp:txXfrm>
-        <a:off x="2082" y="2443554"/>
-        <a:ext cx="932498" cy="466249"/>
+        <a:off x="2333" y="2804808"/>
+        <a:ext cx="1044923" cy="522461"/>
       </dsp:txXfrm>
     </dsp:sp>
     <dsp:sp modelId="{28CDAA3E-8E67-4526-A233-C51F057C056D}">
@@ -7526,8 +7584,8 @@
       </dsp:nvSpPr>
       <dsp:spPr>
         <a:xfrm>
-          <a:off x="1130405" y="2443554"/>
-          <a:ext cx="932498" cy="466249"/>
+          <a:off x="1266691" y="2804808"/>
+          <a:ext cx="1044923" cy="522461"/>
         </a:xfrm>
         <a:prstGeom prst="rect">
           <a:avLst/>
@@ -7586,15 +7644,15 @@
             <a:buNone/>
           </a:pPr>
           <a:r>
-            <a:rPr lang="de-DE" sz="1300" kern="1200" dirty="0" err="1"/>
+            <a:rPr lang="de-DE" sz="1300" b="1" kern="1200" err="1"/>
             <a:t>pages</a:t>
           </a:r>
-          <a:endParaRPr lang="de-DE" sz="1300" kern="1200" dirty="0"/>
+          <a:endParaRPr lang="de-DE" sz="1300" b="1" kern="1200"/>
         </a:p>
       </dsp:txBody>
       <dsp:txXfrm>
-        <a:off x="1130405" y="2443554"/>
-        <a:ext cx="932498" cy="466249"/>
+        <a:off x="1266691" y="2804808"/>
+        <a:ext cx="1044923" cy="522461"/>
       </dsp:txXfrm>
     </dsp:sp>
     <dsp:sp modelId="{454A8F0F-2805-4AAD-BE47-33D1D03AD8A8}">
@@ -7604,8 +7662,8 @@
       </dsp:nvSpPr>
       <dsp:spPr>
         <a:xfrm>
-          <a:off x="2258728" y="2443554"/>
-          <a:ext cx="932498" cy="466249"/>
+          <a:off x="2531049" y="2804808"/>
+          <a:ext cx="1044923" cy="522461"/>
         </a:xfrm>
         <a:prstGeom prst="rect">
           <a:avLst/>
@@ -7664,15 +7722,15 @@
             <a:buNone/>
           </a:pPr>
           <a:r>
-            <a:rPr lang="de-DE" sz="1300" kern="1200" dirty="0" err="1"/>
+            <a:rPr lang="de-DE" sz="1300" b="1" kern="1200" err="1"/>
             <a:t>components</a:t>
           </a:r>
-          <a:endParaRPr lang="de-DE" sz="1300" kern="1200" dirty="0"/>
+          <a:endParaRPr lang="de-DE" sz="1300" b="1" kern="1200"/>
         </a:p>
       </dsp:txBody>
       <dsp:txXfrm>
-        <a:off x="2258728" y="2443554"/>
-        <a:ext cx="932498" cy="466249"/>
+        <a:off x="2531049" y="2804808"/>
+        <a:ext cx="1044923" cy="522461"/>
       </dsp:txXfrm>
     </dsp:sp>
     <dsp:sp modelId="{340D7EB5-0DEF-414A-9529-5D03CBBA0884}">
@@ -7682,8 +7740,8 @@
       </dsp:nvSpPr>
       <dsp:spPr>
         <a:xfrm>
-          <a:off x="3387051" y="2443554"/>
-          <a:ext cx="932498" cy="466249"/>
+          <a:off x="3795406" y="2804808"/>
+          <a:ext cx="1044923" cy="522461"/>
         </a:xfrm>
         <a:prstGeom prst="rect">
           <a:avLst/>
@@ -7742,15 +7800,15 @@
             <a:buNone/>
           </a:pPr>
           <a:r>
-            <a:rPr lang="de-DE" sz="1300" kern="1200" dirty="0" err="1"/>
+            <a:rPr lang="de-DE" sz="1300" b="1" kern="1200" err="1"/>
             <a:t>services</a:t>
           </a:r>
-          <a:endParaRPr lang="de-DE" sz="1300" kern="1200" dirty="0"/>
+          <a:endParaRPr lang="de-DE" sz="1300" b="1" kern="1200"/>
         </a:p>
       </dsp:txBody>
       <dsp:txXfrm>
-        <a:off x="3387051" y="2443554"/>
-        <a:ext cx="932498" cy="466249"/>
+        <a:off x="3795406" y="2804808"/>
+        <a:ext cx="1044923" cy="522461"/>
       </dsp:txXfrm>
     </dsp:sp>
     <dsp:sp modelId="{AF4BDAA5-5CA1-4847-B470-3A42D23C1A50}">
@@ -7760,8 +7818,8 @@
       </dsp:nvSpPr>
       <dsp:spPr>
         <a:xfrm>
-          <a:off x="4515374" y="2443554"/>
-          <a:ext cx="932498" cy="466249"/>
+          <a:off x="5059764" y="2804808"/>
+          <a:ext cx="1044923" cy="522461"/>
         </a:xfrm>
         <a:prstGeom prst="rect">
           <a:avLst/>
@@ -7820,15 +7878,15 @@
             <a:buNone/>
           </a:pPr>
           <a:r>
-            <a:rPr lang="de-DE" sz="1300" kern="1200" dirty="0" err="1"/>
+            <a:rPr lang="de-DE" sz="1300" b="1" kern="1200" err="1"/>
             <a:t>plugins</a:t>
           </a:r>
-          <a:endParaRPr lang="de-DE" sz="1300" kern="1200" dirty="0"/>
+          <a:endParaRPr lang="de-DE" sz="1300" b="1" kern="1200"/>
         </a:p>
       </dsp:txBody>
       <dsp:txXfrm>
-        <a:off x="4515374" y="2443554"/>
-        <a:ext cx="932498" cy="466249"/>
+        <a:off x="5059764" y="2804808"/>
+        <a:ext cx="1044923" cy="522461"/>
       </dsp:txXfrm>
     </dsp:sp>
     <dsp:sp modelId="{EB3750AF-E3B1-4D84-A185-1EB1031201C0}">
@@ -7838,8 +7896,8 @@
       </dsp:nvSpPr>
       <dsp:spPr>
         <a:xfrm>
-          <a:off x="5643697" y="2443554"/>
-          <a:ext cx="932498" cy="466249"/>
+          <a:off x="6324122" y="2804808"/>
+          <a:ext cx="1044923" cy="522461"/>
         </a:xfrm>
         <a:prstGeom prst="rect">
           <a:avLst/>
@@ -7898,15 +7956,15 @@
             <a:buNone/>
           </a:pPr>
           <a:r>
-            <a:rPr lang="de-DE" sz="1300" kern="1200" dirty="0" err="1"/>
+            <a:rPr lang="de-DE" sz="1300" b="1" kern="1200" err="1"/>
             <a:t>assets</a:t>
           </a:r>
-          <a:endParaRPr lang="de-DE" sz="1300" kern="1200" dirty="0"/>
+          <a:endParaRPr lang="de-DE" sz="1300" b="1" kern="1200"/>
         </a:p>
       </dsp:txBody>
       <dsp:txXfrm>
-        <a:off x="5643697" y="2443554"/>
-        <a:ext cx="932498" cy="466249"/>
+        <a:off x="6324122" y="2804808"/>
+        <a:ext cx="1044923" cy="522461"/>
       </dsp:txXfrm>
     </dsp:sp>
   </dsp:spTree>
@@ -18895,7 +18953,7 @@
           <a:p>
             <a:fld id="{EC1BB0AA-FFD6-8349-BA5F-8D8AC7EFA371}" type="datetimeFigureOut">
               <a:rPr lang="de-DE" smtClean="0"/>
-              <a:t>22.08.2018</a:t>
+              <a:t>24.08.2018</a:t>
             </a:fld>
             <a:endParaRPr lang="de-DE"/>
           </a:p>
@@ -19061,7 +19119,7 @@
             <a:fld id="{7BF062F9-8B9D-488C-A30E-01E8F5B28DD8}" type="datetimeFigureOut">
               <a:rPr lang="de-DE" smtClean="0"/>
               <a:pPr/>
-              <a:t>22.08.2018</a:t>
+              <a:t>24.08.2018</a:t>
             </a:fld>
             <a:endParaRPr lang="de-DE"/>
           </a:p>
@@ -19375,7 +19433,7 @@
           <a:bodyPr/>
           <a:lstStyle/>
           <a:p>
-            <a:endParaRPr lang="de-DE" dirty="0"/>
+            <a:endParaRPr lang="de-DE"/>
           </a:p>
         </p:txBody>
       </p:sp>
@@ -19464,7 +19522,7 @@
               <a:buFont typeface="wingdings" panose="05000000000000000000" pitchFamily="2" charset="2"/>
               <a:buNone/>
             </a:pPr>
-            <a:endParaRPr lang="de-DE" dirty="0">
+            <a:endParaRPr lang="de-DE">
               <a:sym typeface="Wingdings" panose="05000000000000000000" pitchFamily="2" charset="2"/>
             </a:endParaRPr>
           </a:p>
@@ -19474,31 +19532,31 @@
               <a:buChar char="à"/>
             </a:pPr>
             <a:r>
-              <a:rPr lang="de-DE" dirty="0">
+              <a:rPr lang="de-DE">
                 <a:sym typeface="Wingdings" panose="05000000000000000000" pitchFamily="2" charset="2"/>
               </a:rPr>
               <a:t>App/</a:t>
             </a:r>
             <a:r>
-              <a:rPr lang="de-DE" dirty="0" err="1">
+              <a:rPr lang="de-DE" err="1">
                 <a:sym typeface="Wingdings" panose="05000000000000000000" pitchFamily="2" charset="2"/>
               </a:rPr>
               <a:t>client</a:t>
             </a:r>
             <a:r>
-              <a:rPr lang="de-DE" dirty="0">
+              <a:rPr lang="de-DE">
                 <a:sym typeface="Wingdings" panose="05000000000000000000" pitchFamily="2" charset="2"/>
               </a:rPr>
               <a:t>/</a:t>
             </a:r>
             <a:r>
-              <a:rPr lang="de-DE" dirty="0" err="1">
+              <a:rPr lang="de-DE" err="1">
                 <a:sym typeface="Wingdings" panose="05000000000000000000" pitchFamily="2" charset="2"/>
               </a:rPr>
               <a:t>src</a:t>
             </a:r>
             <a:r>
-              <a:rPr lang="de-DE" dirty="0">
+              <a:rPr lang="de-DE">
                 <a:sym typeface="Wingdings" panose="05000000000000000000" pitchFamily="2" charset="2"/>
               </a:rPr>
               <a:t> </a:t>
@@ -19510,30 +19568,30 @@
               <a:buNone/>
             </a:pPr>
             <a:r>
-              <a:rPr lang="de-DE" dirty="0">
+              <a:rPr lang="de-DE">
                 <a:sym typeface="Wingdings" panose="05000000000000000000" pitchFamily="2" charset="2"/>
               </a:rPr>
               <a:t> </a:t>
             </a:r>
             <a:r>
-              <a:rPr lang="de-DE" dirty="0" err="1">
+              <a:rPr lang="de-DE" err="1">
                 <a:sym typeface="Wingdings" panose="05000000000000000000" pitchFamily="2" charset="2"/>
               </a:rPr>
               <a:t>environment</a:t>
             </a:r>
             <a:r>
-              <a:rPr lang="de-DE" dirty="0">
+              <a:rPr lang="de-DE">
                 <a:sym typeface="Wingdings" panose="05000000000000000000" pitchFamily="2" charset="2"/>
               </a:rPr>
               <a:t>: liefert </a:t>
             </a:r>
             <a:r>
-              <a:rPr lang="de-DE" dirty="0" err="1">
+              <a:rPr lang="de-DE" err="1">
                 <a:sym typeface="Wingdings" panose="05000000000000000000" pitchFamily="2" charset="2"/>
               </a:rPr>
               <a:t>api_url</a:t>
             </a:r>
-            <a:endParaRPr lang="de-DE" dirty="0">
+            <a:endParaRPr lang="de-DE">
               <a:sym typeface="Wingdings" panose="05000000000000000000" pitchFamily="2" charset="2"/>
             </a:endParaRPr>
           </a:p>
@@ -19543,19 +19601,19 @@
               <a:buChar char="à"/>
             </a:pPr>
             <a:r>
-              <a:rPr lang="de-DE" dirty="0">
+              <a:rPr lang="de-DE">
                 <a:sym typeface="Wingdings" panose="05000000000000000000" pitchFamily="2" charset="2"/>
               </a:rPr>
               <a:t>Pages: die </a:t>
             </a:r>
             <a:r>
-              <a:rPr lang="de-DE" dirty="0" err="1">
+              <a:rPr lang="de-DE" err="1">
                 <a:sym typeface="Wingdings" panose="05000000000000000000" pitchFamily="2" charset="2"/>
               </a:rPr>
               <a:t>Vue</a:t>
             </a:r>
             <a:r>
-              <a:rPr lang="de-DE" dirty="0">
+              <a:rPr lang="de-DE">
                 <a:sym typeface="Wingdings" panose="05000000000000000000" pitchFamily="2" charset="2"/>
               </a:rPr>
               <a:t>-Seiten (Frontend inkl. Logik)</a:t>
@@ -19567,7 +19625,7 @@
               <a:buChar char="à"/>
             </a:pPr>
             <a:r>
-              <a:rPr lang="de-DE" dirty="0">
+              <a:rPr lang="de-DE">
                 <a:sym typeface="Wingdings" panose="05000000000000000000" pitchFamily="2" charset="2"/>
               </a:rPr>
               <a:t>Components: Game- und User-Management + Menü</a:t>
@@ -19579,7 +19637,7 @@
               <a:buChar char="à"/>
             </a:pPr>
             <a:r>
-              <a:rPr lang="de-DE" dirty="0">
+              <a:rPr lang="de-DE">
                 <a:sym typeface="Wingdings" panose="05000000000000000000" pitchFamily="2" charset="2"/>
               </a:rPr>
               <a:t>Services: Methoden zur Kommunikation mit dem Backend</a:t>
@@ -19591,24 +19649,24 @@
               <a:buChar char="à"/>
             </a:pPr>
             <a:r>
-              <a:rPr lang="de-DE" dirty="0" err="1">
+              <a:rPr lang="de-DE" err="1">
                 <a:sym typeface="Wingdings" panose="05000000000000000000" pitchFamily="2" charset="2"/>
               </a:rPr>
               <a:t>Plugins</a:t>
             </a:r>
             <a:r>
-              <a:rPr lang="de-DE" dirty="0">
+              <a:rPr lang="de-DE">
                 <a:sym typeface="Wingdings" panose="05000000000000000000" pitchFamily="2" charset="2"/>
               </a:rPr>
               <a:t>: </a:t>
             </a:r>
             <a:r>
-              <a:rPr lang="de-DE" dirty="0" err="1">
+              <a:rPr lang="de-DE" err="1">
                 <a:sym typeface="Wingdings" panose="05000000000000000000" pitchFamily="2" charset="2"/>
               </a:rPr>
               <a:t>Vuetify</a:t>
             </a:r>
-            <a:endParaRPr lang="de-DE" dirty="0">
+            <a:endParaRPr lang="de-DE">
               <a:sym typeface="Wingdings" panose="05000000000000000000" pitchFamily="2" charset="2"/>
             </a:endParaRPr>
           </a:p>
@@ -19618,12 +19676,12 @@
               <a:buChar char="à"/>
             </a:pPr>
             <a:r>
-              <a:rPr lang="de-DE" dirty="0">
+              <a:rPr lang="de-DE">
                 <a:sym typeface="Wingdings" panose="05000000000000000000" pitchFamily="2" charset="2"/>
               </a:rPr>
               <a:t>Assets: Grafikdateien des Projektes (Nur das Logo)</a:t>
             </a:r>
-            <a:endParaRPr lang="de-DE" dirty="0"/>
+            <a:endParaRPr lang="de-DE"/>
           </a:p>
         </p:txBody>
       </p:sp>
@@ -19716,7 +19774,7 @@
               <a:buChar char="•"/>
             </a:pPr>
             <a:r>
-              <a:rPr lang="de-DE" sz="1200" dirty="0">
+              <a:rPr lang="de-DE" sz="1200">
                 <a:ea typeface="Courier" charset="0"/>
                 <a:cs typeface="Courier" charset="0"/>
               </a:rPr>
@@ -19732,14 +19790,14 @@
               <a:buChar char="•"/>
             </a:pPr>
             <a:r>
-              <a:rPr lang="de-DE" sz="1200" dirty="0">
+              <a:rPr lang="de-DE" sz="1200">
                 <a:ea typeface="Courier" charset="0"/>
                 <a:cs typeface="Courier" charset="0"/>
               </a:rPr>
               <a:t>Quiz für Studenten</a:t>
             </a:r>
             <a:r>
-              <a:rPr lang="de-DE" sz="1200" baseline="0" dirty="0">
+              <a:rPr lang="de-DE" sz="1200" baseline="0">
                 <a:ea typeface="Courier" charset="0"/>
                 <a:cs typeface="Courier" charset="0"/>
               </a:rPr>
@@ -19755,7 +19813,7 @@
               <a:buChar char="•"/>
             </a:pPr>
             <a:r>
-              <a:rPr lang="de-DE" sz="1200" baseline="0" dirty="0">
+              <a:rPr lang="de-DE" sz="1200" baseline="0">
                 <a:ea typeface="Courier" charset="0"/>
                 <a:cs typeface="Courier" charset="0"/>
               </a:rPr>
@@ -19771,7 +19829,7 @@
               <a:buChar char="•"/>
             </a:pPr>
             <a:r>
-              <a:rPr lang="de-DE" sz="1200" baseline="0" dirty="0">
+              <a:rPr lang="de-DE" sz="1200" baseline="0">
                 <a:ea typeface="Courier" charset="0"/>
                 <a:cs typeface="Courier" charset="0"/>
               </a:rPr>
@@ -19787,7 +19845,7 @@
               <a:buChar char="•"/>
             </a:pPr>
             <a:r>
-              <a:rPr lang="de-DE" sz="1200" baseline="0" dirty="0">
+              <a:rPr lang="de-DE" sz="1200" baseline="0">
                 <a:ea typeface="Courier" charset="0"/>
                 <a:cs typeface="Courier" charset="0"/>
               </a:rPr>
@@ -19803,13 +19861,13 @@
               <a:buChar char="•"/>
             </a:pPr>
             <a:r>
-              <a:rPr lang="de-DE" sz="1200" baseline="0" dirty="0" err="1">
+              <a:rPr lang="de-DE" sz="1200" baseline="0" err="1">
                 <a:ea typeface="Courier" charset="0"/>
                 <a:cs typeface="Courier" charset="0"/>
               </a:rPr>
               <a:t>Responsive</a:t>
             </a:r>
-            <a:endParaRPr lang="de-DE" sz="1200" baseline="0" dirty="0">
+            <a:endParaRPr lang="de-DE" sz="1200" baseline="0">
               <a:ea typeface="Courier" charset="0"/>
               <a:cs typeface="Courier" charset="0"/>
             </a:endParaRPr>
@@ -19823,7 +19881,7 @@
               <a:buChar char="•"/>
             </a:pPr>
             <a:r>
-              <a:rPr lang="de-DE" sz="1200" baseline="0" dirty="0">
+              <a:rPr lang="de-DE" sz="1200" baseline="0">
                 <a:ea typeface="Courier" charset="0"/>
                 <a:cs typeface="Courier" charset="0"/>
               </a:rPr>
@@ -19839,13 +19897,13 @@
               <a:buChar char="•"/>
             </a:pPr>
             <a:r>
-              <a:rPr lang="de-DE" sz="1200" baseline="0" dirty="0" err="1">
+              <a:rPr lang="de-DE" sz="1200" baseline="0" err="1">
                 <a:ea typeface="Courier" charset="0"/>
                 <a:cs typeface="Courier" charset="0"/>
               </a:rPr>
               <a:t>Kahoot</a:t>
             </a:r>
-            <a:endParaRPr lang="de-DE" sz="1200" baseline="0" dirty="0">
+            <a:endParaRPr lang="de-DE" sz="1200" baseline="0">
               <a:ea typeface="Courier" charset="0"/>
               <a:cs typeface="Courier" charset="0"/>
             </a:endParaRPr>
@@ -19859,13 +19917,13 @@
               <a:buChar char="•"/>
             </a:pPr>
             <a:r>
-              <a:rPr lang="de-DE" sz="1200" baseline="0" dirty="0">
+              <a:rPr lang="de-DE" sz="1200" baseline="0">
                 <a:ea typeface="Courier" charset="0"/>
                 <a:cs typeface="Courier" charset="0"/>
               </a:rPr>
               <a:t>Unterschied: Keine Schätzfragen und keine Mehrfachauswahl</a:t>
             </a:r>
-            <a:endParaRPr lang="de-DE" sz="1200" dirty="0">
+            <a:endParaRPr lang="de-DE" sz="1200">
               <a:ea typeface="Courier" charset="0"/>
               <a:cs typeface="Courier" charset="0"/>
             </a:endParaRPr>
@@ -19953,7 +20011,7 @@
           <a:bodyPr/>
           <a:lstStyle/>
           <a:p>
-            <a:endParaRPr lang="de-DE" dirty="0"/>
+            <a:endParaRPr lang="de-DE"/>
           </a:p>
         </p:txBody>
       </p:sp>
@@ -20038,7 +20096,7 @@
           <a:bodyPr/>
           <a:lstStyle/>
           <a:p>
-            <a:endParaRPr lang="de-DE" dirty="0"/>
+            <a:endParaRPr lang="de-DE"/>
           </a:p>
         </p:txBody>
       </p:sp>
@@ -20123,7 +20181,7 @@
           <a:bodyPr/>
           <a:lstStyle/>
           <a:p>
-            <a:endParaRPr lang="de-DE" dirty="0"/>
+            <a:endParaRPr lang="de-DE"/>
           </a:p>
         </p:txBody>
       </p:sp>
@@ -20208,7 +20266,7 @@
           <a:bodyPr/>
           <a:lstStyle/>
           <a:p>
-            <a:endParaRPr lang="de-DE" dirty="0"/>
+            <a:endParaRPr lang="de-DE"/>
           </a:p>
         </p:txBody>
       </p:sp>
@@ -20294,11 +20352,11 @@
           <a:lstStyle/>
           <a:p>
             <a:r>
-              <a:rPr lang="de-DE" dirty="0"/>
+              <a:rPr lang="de-DE"/>
               <a:t>Einleitung </a:t>
             </a:r>
             <a:r>
-              <a:rPr lang="de-DE" dirty="0">
+              <a:rPr lang="de-DE">
                 <a:sym typeface="Wingdings" panose="05000000000000000000" pitchFamily="2" charset="2"/>
               </a:rPr>
               <a:t> Kurze Zusammenfassung was wir machen wollen</a:t>
@@ -20306,7 +20364,7 @@
           </a:p>
           <a:p>
             <a:r>
-              <a:rPr lang="de-DE" dirty="0">
+              <a:rPr lang="de-DE">
                 <a:sym typeface="Wingdings" panose="05000000000000000000" pitchFamily="2" charset="2"/>
               </a:rPr>
               <a:t>Konzeption  Zeigen des Konzepts, wie wir uns die Anwendung vorgestellt haben</a:t>
@@ -20314,7 +20372,7 @@
           </a:p>
           <a:p>
             <a:r>
-              <a:rPr lang="de-DE" dirty="0">
+              <a:rPr lang="de-DE">
                 <a:sym typeface="Wingdings" panose="05000000000000000000" pitchFamily="2" charset="2"/>
               </a:rPr>
               <a:t>Implementierung  Aufbau der Anwendung, einige interessante Aspekte</a:t>
@@ -20322,7 +20380,7 @@
           </a:p>
           <a:p>
             <a:r>
-              <a:rPr lang="de-DE" dirty="0">
+              <a:rPr lang="de-DE">
                 <a:sym typeface="Wingdings" panose="05000000000000000000" pitchFamily="2" charset="2"/>
               </a:rPr>
               <a:t>Demo</a:t>
@@ -20330,12 +20388,12 @@
           </a:p>
           <a:p>
             <a:r>
-              <a:rPr lang="de-DE" dirty="0">
+              <a:rPr lang="de-DE">
                 <a:sym typeface="Wingdings" panose="05000000000000000000" pitchFamily="2" charset="2"/>
               </a:rPr>
               <a:t>Fazit  </a:t>
             </a:r>
-            <a:endParaRPr lang="de-DE" dirty="0"/>
+            <a:endParaRPr lang="de-DE"/>
           </a:p>
         </p:txBody>
       </p:sp>
@@ -20428,7 +20486,7 @@
               <a:buChar char="•"/>
             </a:pPr>
             <a:r>
-              <a:rPr lang="de-DE" sz="1200" dirty="0">
+              <a:rPr lang="de-DE" sz="1200">
                 <a:ea typeface="Courier" charset="0"/>
                 <a:cs typeface="Courier" charset="0"/>
               </a:rPr>
@@ -20444,14 +20502,14 @@
               <a:buChar char="•"/>
             </a:pPr>
             <a:r>
-              <a:rPr lang="de-DE" sz="1200" dirty="0">
+              <a:rPr lang="de-DE" sz="1200">
                 <a:ea typeface="Courier" charset="0"/>
                 <a:cs typeface="Courier" charset="0"/>
               </a:rPr>
               <a:t>Quiz für Studenten</a:t>
             </a:r>
             <a:r>
-              <a:rPr lang="de-DE" sz="1200" baseline="0" dirty="0">
+              <a:rPr lang="de-DE" sz="1200" baseline="0">
                 <a:ea typeface="Courier" charset="0"/>
                 <a:cs typeface="Courier" charset="0"/>
               </a:rPr>
@@ -20467,7 +20525,7 @@
               <a:buChar char="•"/>
             </a:pPr>
             <a:r>
-              <a:rPr lang="de-DE" sz="1200" baseline="0" dirty="0">
+              <a:rPr lang="de-DE" sz="1200" baseline="0">
                 <a:ea typeface="Courier" charset="0"/>
                 <a:cs typeface="Courier" charset="0"/>
               </a:rPr>
@@ -20483,7 +20541,7 @@
               <a:buChar char="•"/>
             </a:pPr>
             <a:r>
-              <a:rPr lang="de-DE" sz="1200" baseline="0" dirty="0">
+              <a:rPr lang="de-DE" sz="1200" baseline="0">
                 <a:ea typeface="Courier" charset="0"/>
                 <a:cs typeface="Courier" charset="0"/>
               </a:rPr>
@@ -20499,7 +20557,7 @@
               <a:buChar char="•"/>
             </a:pPr>
             <a:r>
-              <a:rPr lang="de-DE" sz="1200" baseline="0" dirty="0">
+              <a:rPr lang="de-DE" sz="1200" baseline="0">
                 <a:ea typeface="Courier" charset="0"/>
                 <a:cs typeface="Courier" charset="0"/>
               </a:rPr>
@@ -20515,7 +20573,7 @@
               <a:buChar char="•"/>
             </a:pPr>
             <a:r>
-              <a:rPr lang="de-DE" sz="1200" baseline="0" dirty="0">
+              <a:rPr lang="de-DE" sz="1200" baseline="0">
                 <a:ea typeface="Courier" charset="0"/>
                 <a:cs typeface="Courier" charset="0"/>
               </a:rPr>
@@ -20531,7 +20589,7 @@
               <a:buChar char="•"/>
             </a:pPr>
             <a:r>
-              <a:rPr lang="de-DE" sz="1200" baseline="0" dirty="0">
+              <a:rPr lang="de-DE" sz="1200" baseline="0">
                 <a:ea typeface="Courier" charset="0"/>
                 <a:cs typeface="Courier" charset="0"/>
               </a:rPr>
@@ -20547,13 +20605,13 @@
               <a:buChar char="•"/>
             </a:pPr>
             <a:r>
-              <a:rPr lang="de-DE" sz="1200" baseline="0" dirty="0" err="1">
+              <a:rPr lang="de-DE" sz="1200" baseline="0" err="1">
                 <a:ea typeface="Courier" charset="0"/>
                 <a:cs typeface="Courier" charset="0"/>
               </a:rPr>
               <a:t>Kahoot</a:t>
             </a:r>
-            <a:endParaRPr lang="de-DE" sz="1200" baseline="0" dirty="0">
+            <a:endParaRPr lang="de-DE" sz="1200" baseline="0">
               <a:ea typeface="Courier" charset="0"/>
               <a:cs typeface="Courier" charset="0"/>
             </a:endParaRPr>
@@ -20567,19 +20625,19 @@
               <a:buChar char="•"/>
             </a:pPr>
             <a:r>
-              <a:rPr lang="de-DE" sz="1200" baseline="0" dirty="0">
+              <a:rPr lang="de-DE" sz="1200" baseline="0">
                 <a:ea typeface="Courier" charset="0"/>
                 <a:cs typeface="Courier" charset="0"/>
               </a:rPr>
               <a:t>Unterschied: Keine Schätzfragen und keine Mehrfachauswahl</a:t>
             </a:r>
-            <a:endParaRPr lang="de-DE" sz="1200" dirty="0">
+            <a:endParaRPr lang="de-DE" sz="1200">
               <a:ea typeface="Courier" charset="0"/>
               <a:cs typeface="Courier" charset="0"/>
             </a:endParaRPr>
           </a:p>
           <a:p>
-            <a:endParaRPr lang="de-DE" dirty="0"/>
+            <a:endParaRPr lang="de-DE"/>
           </a:p>
         </p:txBody>
       </p:sp>
@@ -20664,7 +20722,7 @@
           <a:bodyPr/>
           <a:lstStyle/>
           <a:p>
-            <a:endParaRPr lang="de-DE" dirty="0"/>
+            <a:endParaRPr lang="de-DE"/>
           </a:p>
         </p:txBody>
       </p:sp>
@@ -20749,7 +20807,7 @@
           <a:bodyPr/>
           <a:lstStyle/>
           <a:p>
-            <a:endParaRPr lang="de-DE" dirty="0"/>
+            <a:endParaRPr lang="de-DE"/>
           </a:p>
         </p:txBody>
       </p:sp>
@@ -20834,7 +20892,7 @@
           <a:bodyPr/>
           <a:lstStyle/>
           <a:p>
-            <a:endParaRPr lang="de-DE" dirty="0"/>
+            <a:endParaRPr lang="de-DE"/>
           </a:p>
         </p:txBody>
       </p:sp>
@@ -20920,16 +20978,8 @@
           <a:lstStyle/>
           <a:p>
             <a:r>
-              <a:rPr lang="de-DE" dirty="0"/>
-              <a:t>Hier </a:t>
-            </a:r>
-            <a:r>
               <a:rPr lang="de-DE"/>
-              <a:t>eine Abbildung </a:t>
-            </a:r>
-            <a:r>
-              <a:rPr lang="de-DE" dirty="0"/>
-              <a:t>der Datenbank!</a:t>
+              <a:t>Hier eine Abbildung der Datenbank!</a:t>
             </a:r>
           </a:p>
         </p:txBody>
@@ -21016,16 +21066,8 @@
           <a:lstStyle/>
           <a:p>
             <a:r>
-              <a:rPr lang="de-DE" dirty="0"/>
-              <a:t>Hier ein Bild von der Struktur </a:t>
-            </a:r>
-            <a:r>
               <a:rPr lang="de-DE"/>
-              <a:t>der fertigen </a:t>
-            </a:r>
-            <a:r>
-              <a:rPr lang="de-DE" dirty="0"/>
-              <a:t>Anwendung:</a:t>
+              <a:t>Hier ein Bild von der Struktur der fertigen Anwendung:</a:t>
             </a:r>
           </a:p>
           <a:p>
@@ -21034,37 +21076,37 @@
               <a:buChar char="à"/>
             </a:pPr>
             <a:r>
-              <a:rPr lang="de-DE" dirty="0" err="1">
+              <a:rPr lang="de-DE" err="1">
                 <a:sym typeface="Wingdings" panose="05000000000000000000" pitchFamily="2" charset="2"/>
               </a:rPr>
               <a:t>api</a:t>
             </a:r>
             <a:r>
-              <a:rPr lang="de-DE" dirty="0">
+              <a:rPr lang="de-DE">
                 <a:sym typeface="Wingdings" panose="05000000000000000000" pitchFamily="2" charset="2"/>
               </a:rPr>
               <a:t>/</a:t>
             </a:r>
             <a:r>
-              <a:rPr lang="de-DE" dirty="0" err="1">
+              <a:rPr lang="de-DE" err="1">
                 <a:sym typeface="Wingdings" panose="05000000000000000000" pitchFamily="2" charset="2"/>
               </a:rPr>
               <a:t>server</a:t>
             </a:r>
             <a:r>
-              <a:rPr lang="de-DE" dirty="0">
+              <a:rPr lang="de-DE">
                 <a:sym typeface="Wingdings" panose="05000000000000000000" pitchFamily="2" charset="2"/>
               </a:rPr>
               <a:t>  </a:t>
             </a:r>
             <a:r>
-              <a:rPr lang="de-DE" dirty="0" err="1">
+              <a:rPr lang="de-DE" err="1">
                 <a:sym typeface="Wingdings" panose="05000000000000000000" pitchFamily="2" charset="2"/>
               </a:rPr>
               <a:t>models</a:t>
             </a:r>
             <a:r>
-              <a:rPr lang="de-DE" dirty="0">
+              <a:rPr lang="de-DE">
                 <a:sym typeface="Wingdings" panose="05000000000000000000" pitchFamily="2" charset="2"/>
               </a:rPr>
               <a:t>: Schnittstelle zur DB </a:t>
@@ -21076,13 +21118,13 @@
               <a:buChar char="à"/>
             </a:pPr>
             <a:r>
-              <a:rPr lang="de-DE" dirty="0" err="1">
+              <a:rPr lang="de-DE" err="1">
                 <a:sym typeface="Wingdings" panose="05000000000000000000" pitchFamily="2" charset="2"/>
               </a:rPr>
               <a:t>sql</a:t>
             </a:r>
             <a:r>
-              <a:rPr lang="de-DE" dirty="0">
+              <a:rPr lang="de-DE">
                 <a:sym typeface="Wingdings" panose="05000000000000000000" pitchFamily="2" charset="2"/>
               </a:rPr>
               <a:t>: Skripte zur Generierung der DB und des DB Users</a:t>
@@ -21093,7 +21135,7 @@
               <a:buFont typeface="wingdings" panose="05000000000000000000" pitchFamily="2" charset="2"/>
               <a:buChar char="à"/>
             </a:pPr>
-            <a:endParaRPr lang="de-DE" dirty="0">
+            <a:endParaRPr lang="de-DE">
               <a:sym typeface="Wingdings" panose="05000000000000000000" pitchFamily="2" charset="2"/>
             </a:endParaRPr>
           </a:p>
@@ -21103,54 +21145,54 @@
               <a:buChar char="à"/>
             </a:pPr>
             <a:r>
-              <a:rPr lang="de-DE" dirty="0">
+              <a:rPr lang="de-DE">
                 <a:sym typeface="Wingdings" panose="05000000000000000000" pitchFamily="2" charset="2"/>
               </a:rPr>
               <a:t>App/</a:t>
             </a:r>
             <a:r>
-              <a:rPr lang="de-DE" dirty="0" err="1">
+              <a:rPr lang="de-DE" err="1">
                 <a:sym typeface="Wingdings" panose="05000000000000000000" pitchFamily="2" charset="2"/>
               </a:rPr>
               <a:t>client</a:t>
             </a:r>
             <a:r>
-              <a:rPr lang="de-DE" dirty="0">
+              <a:rPr lang="de-DE">
                 <a:sym typeface="Wingdings" panose="05000000000000000000" pitchFamily="2" charset="2"/>
               </a:rPr>
               <a:t>/</a:t>
             </a:r>
             <a:r>
-              <a:rPr lang="de-DE" dirty="0" err="1">
+              <a:rPr lang="de-DE" err="1">
                 <a:sym typeface="Wingdings" panose="05000000000000000000" pitchFamily="2" charset="2"/>
               </a:rPr>
               <a:t>src</a:t>
             </a:r>
             <a:r>
-              <a:rPr lang="de-DE" dirty="0">
+              <a:rPr lang="de-DE">
                 <a:sym typeface="Wingdings" panose="05000000000000000000" pitchFamily="2" charset="2"/>
               </a:rPr>
               <a:t>  </a:t>
             </a:r>
             <a:r>
-              <a:rPr lang="de-DE" dirty="0" err="1">
+              <a:rPr lang="de-DE" err="1">
                 <a:sym typeface="Wingdings" panose="05000000000000000000" pitchFamily="2" charset="2"/>
               </a:rPr>
               <a:t>environment</a:t>
             </a:r>
             <a:r>
-              <a:rPr lang="de-DE" dirty="0">
+              <a:rPr lang="de-DE">
                 <a:sym typeface="Wingdings" panose="05000000000000000000" pitchFamily="2" charset="2"/>
               </a:rPr>
               <a:t>: liefert </a:t>
             </a:r>
             <a:r>
-              <a:rPr lang="de-DE" dirty="0" err="1">
+              <a:rPr lang="de-DE" err="1">
                 <a:sym typeface="Wingdings" panose="05000000000000000000" pitchFamily="2" charset="2"/>
               </a:rPr>
               <a:t>api_url</a:t>
             </a:r>
-            <a:endParaRPr lang="de-DE" dirty="0">
+            <a:endParaRPr lang="de-DE">
               <a:sym typeface="Wingdings" panose="05000000000000000000" pitchFamily="2" charset="2"/>
             </a:endParaRPr>
           </a:p>
@@ -21160,19 +21202,19 @@
               <a:buChar char="à"/>
             </a:pPr>
             <a:r>
-              <a:rPr lang="de-DE" dirty="0">
+              <a:rPr lang="de-DE">
                 <a:sym typeface="Wingdings" panose="05000000000000000000" pitchFamily="2" charset="2"/>
               </a:rPr>
               <a:t>Pages: die </a:t>
             </a:r>
             <a:r>
-              <a:rPr lang="de-DE" dirty="0" err="1">
+              <a:rPr lang="de-DE" err="1">
                 <a:sym typeface="Wingdings" panose="05000000000000000000" pitchFamily="2" charset="2"/>
               </a:rPr>
               <a:t>Vue</a:t>
             </a:r>
             <a:r>
-              <a:rPr lang="de-DE" dirty="0">
+              <a:rPr lang="de-DE">
                 <a:sym typeface="Wingdings" panose="05000000000000000000" pitchFamily="2" charset="2"/>
               </a:rPr>
               <a:t>-Seiten (Frontend inkl. Logik)</a:t>
@@ -21184,7 +21226,7 @@
               <a:buChar char="à"/>
             </a:pPr>
             <a:r>
-              <a:rPr lang="de-DE" dirty="0">
+              <a:rPr lang="de-DE">
                 <a:sym typeface="Wingdings" panose="05000000000000000000" pitchFamily="2" charset="2"/>
               </a:rPr>
               <a:t>Components: Game- und User-Management + Menü</a:t>
@@ -21196,7 +21238,7 @@
               <a:buChar char="à"/>
             </a:pPr>
             <a:r>
-              <a:rPr lang="de-DE" dirty="0">
+              <a:rPr lang="de-DE">
                 <a:sym typeface="Wingdings" panose="05000000000000000000" pitchFamily="2" charset="2"/>
               </a:rPr>
               <a:t>Services: Methoden zur Kommunikation mit dem Backend</a:t>
@@ -21208,24 +21250,24 @@
               <a:buChar char="à"/>
             </a:pPr>
             <a:r>
-              <a:rPr lang="de-DE" dirty="0" err="1">
+              <a:rPr lang="de-DE" err="1">
                 <a:sym typeface="Wingdings" panose="05000000000000000000" pitchFamily="2" charset="2"/>
               </a:rPr>
               <a:t>Plugins</a:t>
             </a:r>
             <a:r>
-              <a:rPr lang="de-DE" dirty="0">
+              <a:rPr lang="de-DE">
                 <a:sym typeface="Wingdings" panose="05000000000000000000" pitchFamily="2" charset="2"/>
               </a:rPr>
               <a:t>: </a:t>
             </a:r>
             <a:r>
-              <a:rPr lang="de-DE" dirty="0" err="1">
+              <a:rPr lang="de-DE" err="1">
                 <a:sym typeface="Wingdings" panose="05000000000000000000" pitchFamily="2" charset="2"/>
               </a:rPr>
               <a:t>Vuetify</a:t>
             </a:r>
-            <a:endParaRPr lang="de-DE" dirty="0">
+            <a:endParaRPr lang="de-DE">
               <a:sym typeface="Wingdings" panose="05000000000000000000" pitchFamily="2" charset="2"/>
             </a:endParaRPr>
           </a:p>
@@ -21235,12 +21277,12 @@
               <a:buChar char="à"/>
             </a:pPr>
             <a:r>
-              <a:rPr lang="de-DE" dirty="0">
+              <a:rPr lang="de-DE">
                 <a:sym typeface="Wingdings" panose="05000000000000000000" pitchFamily="2" charset="2"/>
               </a:rPr>
               <a:t>Assets: Nur das Logo </a:t>
             </a:r>
-            <a:endParaRPr lang="de-DE" dirty="0"/>
+            <a:endParaRPr lang="de-DE"/>
           </a:p>
         </p:txBody>
       </p:sp>
@@ -21326,13 +21368,13 @@
           <a:lstStyle/>
           <a:p>
             <a:r>
-              <a:rPr lang="de-DE" dirty="0"/>
+              <a:rPr lang="de-DE"/>
               <a:t>Hier ein Bild von der Struktur der fertigen Anwendung</a:t>
             </a:r>
           </a:p>
           <a:p>
             <a:r>
-              <a:rPr lang="de-DE" dirty="0"/>
+              <a:rPr lang="de-DE"/>
               <a:t>Zentrales Verzeichnis</a:t>
             </a:r>
           </a:p>
@@ -21342,25 +21384,25 @@
               <a:buChar char="à"/>
             </a:pPr>
             <a:r>
-              <a:rPr lang="de-DE" dirty="0" err="1">
+              <a:rPr lang="de-DE" err="1">
                 <a:sym typeface="Wingdings" panose="05000000000000000000" pitchFamily="2" charset="2"/>
               </a:rPr>
               <a:t>api</a:t>
             </a:r>
             <a:r>
-              <a:rPr lang="de-DE" dirty="0">
+              <a:rPr lang="de-DE">
                 <a:sym typeface="Wingdings" panose="05000000000000000000" pitchFamily="2" charset="2"/>
               </a:rPr>
               <a:t>/</a:t>
             </a:r>
             <a:r>
-              <a:rPr lang="de-DE" dirty="0" err="1">
+              <a:rPr lang="de-DE" err="1">
                 <a:sym typeface="Wingdings" panose="05000000000000000000" pitchFamily="2" charset="2"/>
               </a:rPr>
               <a:t>server</a:t>
             </a:r>
             <a:r>
-              <a:rPr lang="de-DE" dirty="0">
+              <a:rPr lang="de-DE">
                 <a:sym typeface="Wingdings" panose="05000000000000000000" pitchFamily="2" charset="2"/>
               </a:rPr>
               <a:t> </a:t>
@@ -21372,43 +21414,43 @@
               <a:buNone/>
             </a:pPr>
             <a:r>
-              <a:rPr lang="de-DE" dirty="0">
+              <a:rPr lang="de-DE">
                 <a:sym typeface="Wingdings" panose="05000000000000000000" pitchFamily="2" charset="2"/>
               </a:rPr>
               <a:t>	 </a:t>
             </a:r>
             <a:r>
-              <a:rPr lang="de-DE" dirty="0" err="1">
+              <a:rPr lang="de-DE" err="1">
                 <a:sym typeface="Wingdings" panose="05000000000000000000" pitchFamily="2" charset="2"/>
               </a:rPr>
               <a:t>models</a:t>
             </a:r>
             <a:r>
-              <a:rPr lang="de-DE" dirty="0">
+              <a:rPr lang="de-DE">
                 <a:sym typeface="Wingdings" panose="05000000000000000000" pitchFamily="2" charset="2"/>
               </a:rPr>
               <a:t>: Schnittstelle zur DB (</a:t>
             </a:r>
             <a:r>
-              <a:rPr lang="de-DE" dirty="0" err="1">
+              <a:rPr lang="de-DE" err="1">
                 <a:sym typeface="Wingdings" panose="05000000000000000000" pitchFamily="2" charset="2"/>
               </a:rPr>
               <a:t>json</a:t>
             </a:r>
             <a:r>
-              <a:rPr lang="de-DE" dirty="0">
+              <a:rPr lang="de-DE">
                 <a:sym typeface="Wingdings" panose="05000000000000000000" pitchFamily="2" charset="2"/>
               </a:rPr>
               <a:t> + </a:t>
             </a:r>
             <a:r>
-              <a:rPr lang="de-DE" dirty="0" err="1">
+              <a:rPr lang="de-DE" err="1">
                 <a:sym typeface="Wingdings" panose="05000000000000000000" pitchFamily="2" charset="2"/>
               </a:rPr>
               <a:t>js</a:t>
             </a:r>
             <a:r>
-              <a:rPr lang="de-DE" dirty="0">
+              <a:rPr lang="de-DE">
                 <a:sym typeface="Wingdings" panose="05000000000000000000" pitchFamily="2" charset="2"/>
               </a:rPr>
               <a:t> Dateien)</a:t>
@@ -21420,13 +21462,13 @@
               <a:buChar char="à"/>
             </a:pPr>
             <a:r>
-              <a:rPr lang="de-DE" dirty="0" err="1">
+              <a:rPr lang="de-DE" err="1">
                 <a:sym typeface="Wingdings" panose="05000000000000000000" pitchFamily="2" charset="2"/>
               </a:rPr>
               <a:t>sql</a:t>
             </a:r>
             <a:r>
-              <a:rPr lang="de-DE" dirty="0">
+              <a:rPr lang="de-DE">
                 <a:sym typeface="Wingdings" panose="05000000000000000000" pitchFamily="2" charset="2"/>
               </a:rPr>
               <a:t>: Skripte zur Generierung der DB und des DB Users</a:t>
@@ -21438,7 +21480,7 @@
               <a:buChar char="à"/>
             </a:pPr>
             <a:r>
-              <a:rPr lang="de-DE" dirty="0">
+              <a:rPr lang="de-DE">
                 <a:sym typeface="Wingdings" panose="05000000000000000000" pitchFamily="2" charset="2"/>
               </a:rPr>
               <a:t>Boot: die in diesem Ordner liegende Datei </a:t>
@@ -23460,7 +23502,7 @@
           <a:bodyPr/>
           <a:lstStyle/>
           <a:p>
-            <a:endParaRPr lang="de-DE" dirty="0"/>
+            <a:endParaRPr lang="de-DE"/>
           </a:p>
         </p:txBody>
       </p:sp>
@@ -23553,7 +23595,7 @@
             </a:lvl9pPr>
           </a:lstStyle>
           <a:p>
-            <a:endParaRPr lang="de-DE" dirty="0"/>
+            <a:endParaRPr lang="de-DE"/>
           </a:p>
         </p:txBody>
       </p:sp>
@@ -23841,7 +23883,7 @@
           <a:bodyPr/>
           <a:lstStyle/>
           <a:p>
-            <a:endParaRPr lang="de-DE" dirty="0"/>
+            <a:endParaRPr lang="de-DE"/>
           </a:p>
         </p:txBody>
       </p:sp>
@@ -23873,7 +23915,7 @@
               <a:pPr/>
               <a:t>‹Nr.›</a:t>
             </a:fld>
-            <a:endParaRPr lang="de-DE" dirty="0"/>
+            <a:endParaRPr lang="de-DE"/>
           </a:p>
         </p:txBody>
       </p:sp>
@@ -24150,7 +24192,7 @@
           <a:bodyPr/>
           <a:lstStyle/>
           <a:p>
-            <a:endParaRPr lang="de-DE" dirty="0"/>
+            <a:endParaRPr lang="de-DE"/>
           </a:p>
         </p:txBody>
       </p:sp>
@@ -24385,7 +24427,7 @@
           <a:bodyPr/>
           <a:lstStyle/>
           <a:p>
-            <a:endParaRPr lang="de-DE" dirty="0"/>
+            <a:endParaRPr lang="de-DE"/>
           </a:p>
         </p:txBody>
       </p:sp>
@@ -24804,7 +24846,7 @@
           <a:bodyPr/>
           <a:lstStyle/>
           <a:p>
-            <a:endParaRPr lang="de-DE" dirty="0"/>
+            <a:endParaRPr lang="de-DE"/>
           </a:p>
         </p:txBody>
       </p:sp>
@@ -24947,7 +24989,7 @@
           <a:bodyPr/>
           <a:lstStyle/>
           <a:p>
-            <a:endParaRPr lang="de-DE" dirty="0"/>
+            <a:endParaRPr lang="de-DE"/>
           </a:p>
         </p:txBody>
       </p:sp>
@@ -26776,7 +26818,7 @@
           <a:p>
             <a:pPr algn="ctr"/>
             <a:r>
-              <a:rPr lang="de-DE" sz="6000" b="1" i="1" spc="-1" dirty="0">
+              <a:rPr lang="de-DE" sz="6000" b="1" i="1" spc="-1">
                 <a:uFill>
                   <a:solidFill>
                     <a:srgbClr val="FFFFFF"/>
@@ -26786,7 +26828,7 @@
               </a:rPr>
               <a:t>HTW-Quiz</a:t>
             </a:r>
-            <a:endParaRPr lang="de-DE" spc="-1" dirty="0">
+            <a:endParaRPr lang="de-DE" spc="-1">
               <a:solidFill>
                 <a:srgbClr val="000000"/>
               </a:solidFill>
@@ -26847,16 +26889,16 @@
           <a:lstStyle/>
           <a:p>
             <a:r>
-              <a:rPr lang="de-DE" sz="1400" dirty="0"/>
+              <a:rPr lang="de-DE" sz="1400"/>
               <a:t>➔ Webanwendungen</a:t>
             </a:r>
             <a:br>
-              <a:rPr lang="de-DE" dirty="0"/>
+              <a:rPr lang="de-DE"/>
             </a:br>
-            <a:endParaRPr lang="de-DE" dirty="0"/>
+            <a:endParaRPr lang="de-DE"/>
           </a:p>
           <a:p>
-            <a:endParaRPr lang="de-DE" dirty="0"/>
+            <a:endParaRPr lang="de-DE"/>
           </a:p>
         </p:txBody>
       </p:sp>
@@ -27047,16 +27089,16 @@
           <a:lstStyle/>
           <a:p>
             <a:r>
-              <a:rPr lang="de-DE" sz="1400" b="1" dirty="0"/>
+              <a:rPr lang="de-DE" sz="1400" b="1"/>
               <a:t>➔ Implementierung</a:t>
             </a:r>
             <a:br>
-              <a:rPr lang="de-DE" b="1" dirty="0"/>
+              <a:rPr lang="de-DE" b="1"/>
             </a:br>
-            <a:endParaRPr lang="de-DE" b="1" dirty="0"/>
+            <a:endParaRPr lang="de-DE" b="1"/>
           </a:p>
           <a:p>
-            <a:endParaRPr lang="de-DE" b="1" dirty="0"/>
+            <a:endParaRPr lang="de-DE" b="1"/>
           </a:p>
         </p:txBody>
       </p:sp>
@@ -27070,13 +27112,13 @@
   <p:clrMapOvr>
     <a:masterClrMapping/>
   </p:clrMapOvr>
-  <mc:AlternateContent xmlns:mc="http://schemas.openxmlformats.org/markup-compatibility/2006">
-    <mc:Choice xmlns:p159="http://schemas.microsoft.com/office/powerpoint/2015/09/main" Requires="p159">
+  <mc:AlternateContent xmlns:mc="http://schemas.openxmlformats.org/markup-compatibility/2006" xmlns:p159="http://schemas.microsoft.com/office/powerpoint/2015/09/main">
+    <mc:Choice Requires="p159">
       <p:transition xmlns:p14="http://schemas.microsoft.com/office/powerpoint/2010/main" spd="slow" p14:dur="2000">
         <p159:morph option="byObject"/>
       </p:transition>
     </mc:Choice>
-    <mc:Fallback>
+    <mc:Fallback xmlns="">
       <p:transition spd="slow">
         <p:fade/>
       </p:transition>
@@ -27215,14 +27257,14 @@
           <p:nvPr>
             <p:extLst>
               <p:ext uri="{D42A27DB-BD31-4B8C-83A1-F6EECF244321}">
-                <p14:modId xmlns:p14="http://schemas.microsoft.com/office/powerpoint/2010/main" val="3889792462"/>
+                <p14:modId xmlns:p14="http://schemas.microsoft.com/office/powerpoint/2010/main" val="478457421"/>
               </p:ext>
             </p:extLst>
           </p:nvPr>
         </p:nvGraphicFramePr>
         <p:xfrm>
-          <a:off x="1588937" y="1350701"/>
-          <a:ext cx="6578279" cy="4691284"/>
+          <a:off x="1388963" y="1215727"/>
+          <a:ext cx="7371380" cy="4826258"/>
         </p:xfrm>
         <a:graphic>
           <a:graphicData uri="http://schemas.openxmlformats.org/drawingml/2006/diagram">
@@ -27259,16 +27301,16 @@
           <a:lstStyle/>
           <a:p>
             <a:r>
-              <a:rPr lang="de-DE" sz="1400" b="1" dirty="0"/>
+              <a:rPr lang="de-DE" sz="1400" b="1"/>
               <a:t>➔ Implementierung</a:t>
             </a:r>
             <a:br>
-              <a:rPr lang="de-DE" b="1" dirty="0"/>
+              <a:rPr lang="de-DE" b="1"/>
             </a:br>
-            <a:endParaRPr lang="de-DE" b="1" dirty="0"/>
+            <a:endParaRPr lang="de-DE" b="1"/>
           </a:p>
           <a:p>
-            <a:endParaRPr lang="de-DE" b="1" dirty="0"/>
+            <a:endParaRPr lang="de-DE" b="1"/>
           </a:p>
         </p:txBody>
       </p:sp>
@@ -27323,7 +27365,7 @@
           <a:lstStyle/>
           <a:p>
             <a:r>
-              <a:rPr lang="de-DE" sz="2600" dirty="0"/>
+              <a:rPr lang="de-DE" sz="2600"/>
               <a:t>Demo</a:t>
             </a:r>
           </a:p>
@@ -27391,7 +27433,7 @@
           <a:lstStyle/>
           <a:p>
             <a:r>
-              <a:rPr lang="de-DE" spc="-1" dirty="0">
+              <a:rPr lang="de-DE" spc="-1">
                 <a:solidFill>
                   <a:srgbClr val="000000"/>
                 </a:solidFill>
@@ -27406,7 +27448,7 @@
 </a:t>
             </a:r>
             <a:r>
-              <a:rPr lang="de-DE" sz="30000" spc="-1" dirty="0">
+              <a:rPr lang="de-DE" sz="30000" spc="-1">
                 <a:solidFill>
                   <a:schemeClr val="bg1">
                     <a:lumMod val="50000"/>
@@ -27531,7 +27573,7 @@
           <a:lstStyle/>
           <a:p>
             <a:r>
-              <a:rPr lang="de-DE" sz="3600" dirty="0"/>
+              <a:rPr lang="de-DE" sz="3600"/>
               <a:t>Einleitung</a:t>
             </a:r>
           </a:p>
@@ -27591,7 +27633,7 @@
               <a:buChar char="•"/>
             </a:pPr>
             <a:r>
-              <a:rPr lang="de-DE" sz="2400" dirty="0">
+              <a:rPr lang="de-DE" sz="2400">
                 <a:ea typeface="Courier" charset="0"/>
                 <a:cs typeface="Courier" charset="0"/>
               </a:rPr>
@@ -27607,7 +27649,7 @@
               <a:buChar char="•"/>
             </a:pPr>
             <a:r>
-              <a:rPr lang="de-DE" sz="2400" dirty="0">
+              <a:rPr lang="de-DE" sz="2400">
                 <a:ea typeface="Courier" charset="0"/>
                 <a:cs typeface="Courier" charset="0"/>
               </a:rPr>
@@ -27623,7 +27665,7 @@
               <a:buChar char="•"/>
             </a:pPr>
             <a:r>
-              <a:rPr lang="de-DE" sz="2400" dirty="0">
+              <a:rPr lang="de-DE" sz="2400">
                 <a:ea typeface="Courier" charset="0"/>
                 <a:cs typeface="Courier" charset="0"/>
               </a:rPr>
@@ -27732,7 +27774,7 @@
           <a:lstStyle/>
           <a:p>
             <a:r>
-              <a:rPr lang="de-DE" sz="3600" dirty="0"/>
+              <a:rPr lang="de-DE" sz="3600"/>
               <a:t>Konzeption</a:t>
             </a:r>
           </a:p>
@@ -27761,16 +27803,16 @@
           <a:lstStyle/>
           <a:p>
             <a:r>
-              <a:rPr lang="de-DE" sz="1400" dirty="0"/>
+              <a:rPr lang="de-DE" sz="1400"/>
               <a:t>➔ Konzeption</a:t>
             </a:r>
             <a:br>
-              <a:rPr lang="de-DE" dirty="0"/>
+              <a:rPr lang="de-DE"/>
             </a:br>
-            <a:endParaRPr lang="de-DE" dirty="0"/>
+            <a:endParaRPr lang="de-DE"/>
           </a:p>
           <a:p>
-            <a:endParaRPr lang="de-DE" dirty="0"/>
+            <a:endParaRPr lang="de-DE"/>
           </a:p>
         </p:txBody>
       </p:sp>
@@ -27828,7 +27870,7 @@
               <a:buChar char="•"/>
             </a:pPr>
             <a:r>
-              <a:rPr lang="de-DE" sz="2400" dirty="0">
+              <a:rPr lang="de-DE" sz="2400">
                 <a:ea typeface="Courier" charset="0"/>
                 <a:cs typeface="Courier" charset="0"/>
               </a:rPr>
@@ -27844,7 +27886,7 @@
               <a:buChar char="•"/>
             </a:pPr>
             <a:r>
-              <a:rPr lang="de-DE" sz="2400" dirty="0">
+              <a:rPr lang="de-DE" sz="2400">
                 <a:ea typeface="Courier" charset="0"/>
                 <a:cs typeface="Courier" charset="0"/>
               </a:rPr>
@@ -27860,21 +27902,21 @@
               <a:buChar char="•"/>
             </a:pPr>
             <a:r>
-              <a:rPr lang="de-DE" sz="2400" dirty="0">
+              <a:rPr lang="de-DE" sz="2400">
                 <a:ea typeface="Courier" charset="0"/>
                 <a:cs typeface="Courier" charset="0"/>
               </a:rPr>
               <a:t>Professoren benutzen </a:t>
             </a:r>
             <a:r>
-              <a:rPr lang="de-DE" sz="2400" dirty="0" err="1">
+              <a:rPr lang="de-DE" sz="2400" err="1">
                 <a:ea typeface="Courier" charset="0"/>
                 <a:cs typeface="Courier" charset="0"/>
               </a:rPr>
               <a:t>Kahoot</a:t>
             </a:r>
             <a:r>
-              <a:rPr lang="de-DE" sz="2400" dirty="0">
+              <a:rPr lang="de-DE" sz="2400">
                 <a:ea typeface="Courier" charset="0"/>
                 <a:cs typeface="Courier" charset="0"/>
               </a:rPr>
@@ -27983,7 +28025,7 @@
           <a:lstStyle/>
           <a:p>
             <a:r>
-              <a:rPr lang="de-DE" sz="3600" dirty="0"/>
+              <a:rPr lang="de-DE" sz="3600"/>
               <a:t>Implementierung</a:t>
             </a:r>
           </a:p>
@@ -28043,7 +28085,7 @@
               <a:buChar char="•"/>
             </a:pPr>
             <a:r>
-              <a:rPr lang="de-DE" sz="2400" dirty="0">
+              <a:rPr lang="de-DE" sz="2400">
                 <a:ea typeface="Courier" charset="0"/>
                 <a:cs typeface="Courier" charset="0"/>
               </a:rPr>
@@ -28059,7 +28101,7 @@
               <a:buChar char="•"/>
             </a:pPr>
             <a:r>
-              <a:rPr lang="de-DE" sz="2400" dirty="0">
+              <a:rPr lang="de-DE" sz="2400">
                 <a:ea typeface="Courier" charset="0"/>
                 <a:cs typeface="Courier" charset="0"/>
               </a:rPr>
@@ -28075,21 +28117,21 @@
               <a:buChar char="•"/>
             </a:pPr>
             <a:r>
-              <a:rPr lang="de-DE" sz="2400" dirty="0">
+              <a:rPr lang="de-DE" sz="2400">
                 <a:ea typeface="Courier" charset="0"/>
                 <a:cs typeface="Courier" charset="0"/>
               </a:rPr>
               <a:t>Studenten können sich in </a:t>
             </a:r>
             <a:r>
-              <a:rPr lang="de-DE" sz="2400" dirty="0" err="1">
+              <a:rPr lang="de-DE" sz="2400" err="1">
                 <a:ea typeface="Courier" charset="0"/>
                 <a:cs typeface="Courier" charset="0"/>
               </a:rPr>
               <a:t>Highscore</a:t>
             </a:r>
             <a:r>
-              <a:rPr lang="de-DE" sz="2400" dirty="0">
+              <a:rPr lang="de-DE" sz="2400">
                 <a:ea typeface="Courier" charset="0"/>
                 <a:cs typeface="Courier" charset="0"/>
               </a:rPr>
@@ -28104,7 +28146,7 @@
               <a:buFont typeface="Arial" charset="0"/>
               <a:buChar char="•"/>
             </a:pPr>
-            <a:endParaRPr lang="de-DE" sz="2400" dirty="0">
+            <a:endParaRPr lang="de-DE" sz="2400">
               <a:ea typeface="Courier" charset="0"/>
               <a:cs typeface="Courier" charset="0"/>
             </a:endParaRPr>
@@ -28211,7 +28253,7 @@
           <a:lstStyle/>
           <a:p>
             <a:r>
-              <a:rPr lang="de-DE" sz="3600" dirty="0"/>
+              <a:rPr lang="de-DE" sz="3600"/>
               <a:t>Funktionale Anforderungen</a:t>
             </a:r>
           </a:p>
@@ -28271,7 +28313,7 @@
               <a:buChar char="•"/>
             </a:pPr>
             <a:r>
-              <a:rPr lang="de-DE" sz="2400" dirty="0">
+              <a:rPr lang="de-DE" sz="2400">
                 <a:ea typeface="Courier" charset="0"/>
                 <a:cs typeface="Courier" charset="0"/>
               </a:rPr>
@@ -28287,7 +28329,7 @@
               <a:buChar char="•"/>
             </a:pPr>
             <a:r>
-              <a:rPr lang="de-DE" sz="2400" dirty="0">
+              <a:rPr lang="de-DE" sz="2400">
                 <a:ea typeface="Courier" charset="0"/>
                 <a:cs typeface="Courier" charset="0"/>
               </a:rPr>
@@ -28303,7 +28345,7 @@
               <a:buChar char="•"/>
             </a:pPr>
             <a:r>
-              <a:rPr lang="de-DE" sz="2400" dirty="0">
+              <a:rPr lang="de-DE" sz="2400">
                 <a:ea typeface="Courier" charset="0"/>
                 <a:cs typeface="Courier" charset="0"/>
               </a:rPr>
@@ -28319,7 +28361,7 @@
               <a:buChar char="•"/>
             </a:pPr>
             <a:r>
-              <a:rPr lang="de-DE" sz="2400" dirty="0">
+              <a:rPr lang="de-DE" sz="2400">
                 <a:ea typeface="Courier" charset="0"/>
                 <a:cs typeface="Courier" charset="0"/>
               </a:rPr>
@@ -28335,7 +28377,7 @@
               <a:buChar char="•"/>
             </a:pPr>
             <a:r>
-              <a:rPr lang="de-DE" sz="2400" dirty="0">
+              <a:rPr lang="de-DE" sz="2400">
                 <a:ea typeface="Courier" charset="0"/>
                 <a:cs typeface="Courier" charset="0"/>
               </a:rPr>
@@ -28351,14 +28393,14 @@
               <a:buChar char="•"/>
             </a:pPr>
             <a:r>
-              <a:rPr lang="de-DE" sz="2400" dirty="0" err="1">
+              <a:rPr lang="de-DE" sz="2400" err="1">
                 <a:ea typeface="Courier" charset="0"/>
                 <a:cs typeface="Courier" charset="0"/>
               </a:rPr>
               <a:t>Highscore</a:t>
             </a:r>
             <a:r>
-              <a:rPr lang="de-DE" sz="2400" dirty="0">
+              <a:rPr lang="de-DE" sz="2400">
                 <a:ea typeface="Courier" charset="0"/>
                 <a:cs typeface="Courier" charset="0"/>
               </a:rPr>
@@ -28374,7 +28416,7 @@
               <a:buChar char="•"/>
             </a:pPr>
             <a:r>
-              <a:rPr lang="de-DE" sz="2400" dirty="0">
+              <a:rPr lang="de-DE" sz="2400">
                 <a:ea typeface="Courier" charset="0"/>
                 <a:cs typeface="Courier" charset="0"/>
               </a:rPr>
@@ -28483,7 +28525,7 @@
           <a:lstStyle/>
           <a:p>
             <a:r>
-              <a:rPr lang="de-DE" sz="3600" dirty="0"/>
+              <a:rPr lang="de-DE" sz="3600"/>
               <a:t>Nicht-funktionale Anforderungen</a:t>
             </a:r>
           </a:p>
@@ -28543,21 +28585,21 @@
               <a:buChar char="•"/>
             </a:pPr>
             <a:r>
-              <a:rPr lang="de-DE" sz="2400" dirty="0">
+              <a:rPr lang="de-DE" sz="2400">
                 <a:ea typeface="Courier" charset="0"/>
                 <a:cs typeface="Courier" charset="0"/>
               </a:rPr>
               <a:t>Frontend wird mit </a:t>
             </a:r>
             <a:r>
-              <a:rPr lang="de-DE" sz="2400" dirty="0" err="1">
+              <a:rPr lang="de-DE" sz="2400" err="1">
                 <a:ea typeface="Courier" charset="0"/>
                 <a:cs typeface="Courier" charset="0"/>
               </a:rPr>
               <a:t>vue.js</a:t>
             </a:r>
             <a:r>
-              <a:rPr lang="de-DE" sz="2400" dirty="0">
+              <a:rPr lang="de-DE" sz="2400">
                 <a:ea typeface="Courier" charset="0"/>
                 <a:cs typeface="Courier" charset="0"/>
               </a:rPr>
@@ -28573,7 +28615,7 @@
               <a:buChar char="•"/>
             </a:pPr>
             <a:r>
-              <a:rPr lang="de-DE" sz="2400" dirty="0">
+              <a:rPr lang="de-DE" sz="2400">
                 <a:ea typeface="Courier" charset="0"/>
                 <a:cs typeface="Courier" charset="0"/>
               </a:rPr>
@@ -28593,10 +28635,6 @@
               </a:rPr>
               <a:t> realisiert</a:t>
             </a:r>
-            <a:endParaRPr lang="de-DE" sz="2400" dirty="0">
-              <a:ea typeface="Courier" charset="0"/>
-              <a:cs typeface="Courier" charset="0"/>
-            </a:endParaRPr>
           </a:p>
           <a:p>
             <a:pPr marL="342900" indent="-342900">
@@ -28606,7 +28644,7 @@
               <a:buFont typeface="Arial" charset="0"/>
               <a:buChar char="•"/>
             </a:pPr>
-            <a:endParaRPr lang="de-DE" sz="2400" dirty="0">
+            <a:endParaRPr lang="de-DE" sz="2400">
               <a:ea typeface="Courier" charset="0"/>
               <a:cs typeface="Courier" charset="0"/>
             </a:endParaRPr>
@@ -28665,7 +28703,7 @@
           <a:lstStyle/>
           <a:p>
             <a:r>
-              <a:rPr lang="de-DE" dirty="0"/>
+              <a:rPr lang="de-DE"/>
               <a:t>Fazit</a:t>
             </a:r>
           </a:p>
@@ -28809,7 +28847,6 @@
               <a:rPr lang="de-DE" sz="3600"/>
               <a:t>Inhalt</a:t>
             </a:r>
-            <a:endParaRPr lang="de-DE" sz="3600" dirty="0"/>
           </a:p>
         </p:txBody>
       </p:sp>
@@ -28842,7 +28879,7 @@
               <a:buFont typeface="Arial" charset="0"/>
               <a:buChar char="•"/>
             </a:pPr>
-            <a:endParaRPr lang="de-DE" sz="2400" dirty="0">
+            <a:endParaRPr lang="de-DE" sz="2400">
               <a:ea typeface="Courier" charset="0"/>
               <a:cs typeface="Courier" charset="0"/>
             </a:endParaRPr>
@@ -28856,7 +28893,7 @@
               <a:buChar char="•"/>
             </a:pPr>
             <a:r>
-              <a:rPr lang="de-DE" sz="2400" dirty="0">
+              <a:rPr lang="de-DE" sz="2400">
                 <a:ea typeface="Courier" charset="0"/>
                 <a:cs typeface="Courier" charset="0"/>
               </a:rPr>
@@ -28872,7 +28909,7 @@
               <a:buChar char="•"/>
             </a:pPr>
             <a:r>
-              <a:rPr lang="de-DE" sz="2400" dirty="0">
+              <a:rPr lang="de-DE" sz="2400">
                 <a:ea typeface="Courier" charset="0"/>
                 <a:cs typeface="Courier" charset="0"/>
               </a:rPr>
@@ -28888,7 +28925,7 @@
               <a:buChar char="•"/>
             </a:pPr>
             <a:r>
-              <a:rPr lang="de-DE" sz="2400" dirty="0">
+              <a:rPr lang="de-DE" sz="2400">
                 <a:ea typeface="Courier" charset="0"/>
                 <a:cs typeface="Courier" charset="0"/>
               </a:rPr>
@@ -28904,7 +28941,7 @@
               <a:buChar char="•"/>
             </a:pPr>
             <a:r>
-              <a:rPr lang="de-DE" sz="2400" dirty="0">
+              <a:rPr lang="de-DE" sz="2400">
                 <a:ea typeface="Courier" charset="0"/>
                 <a:cs typeface="Courier" charset="0"/>
               </a:rPr>
@@ -28920,7 +28957,7 @@
               <a:buChar char="•"/>
             </a:pPr>
             <a:r>
-              <a:rPr lang="de-DE" sz="2400" dirty="0">
+              <a:rPr lang="de-DE" sz="2400">
                 <a:ea typeface="Courier" charset="0"/>
                 <a:cs typeface="Courier" charset="0"/>
               </a:rPr>
@@ -28952,16 +28989,16 @@
           <a:lstStyle/>
           <a:p>
             <a:r>
-              <a:rPr lang="de-DE" sz="1400" dirty="0"/>
+              <a:rPr lang="de-DE" sz="1400"/>
               <a:t>➔ Inhalt</a:t>
             </a:r>
             <a:br>
-              <a:rPr lang="de-DE" dirty="0"/>
+              <a:rPr lang="de-DE"/>
             </a:br>
-            <a:endParaRPr lang="de-DE" dirty="0"/>
+            <a:endParaRPr lang="de-DE"/>
           </a:p>
           <a:p>
-            <a:endParaRPr lang="de-DE" dirty="0"/>
+            <a:endParaRPr lang="de-DE"/>
           </a:p>
         </p:txBody>
       </p:sp>
@@ -29037,7 +29074,7 @@
           <a:lstStyle/>
           <a:p>
             <a:r>
-              <a:rPr lang="de-DE" sz="2600" dirty="0"/>
+              <a:rPr lang="de-DE" sz="2600"/>
               <a:t>Einleitung</a:t>
             </a:r>
           </a:p>
@@ -29091,7 +29128,7 @@
           <a:lstStyle/>
           <a:p>
             <a:r>
-              <a:rPr lang="de-DE" sz="2600" dirty="0"/>
+              <a:rPr lang="de-DE" sz="2600"/>
               <a:t>Konzeption</a:t>
             </a:r>
           </a:p>
@@ -29234,16 +29271,16 @@
           <a:lstStyle/>
           <a:p>
             <a:r>
-              <a:rPr lang="de-DE" sz="1400" b="1" dirty="0"/>
+              <a:rPr lang="de-DE" sz="1400" b="1"/>
               <a:t>➔ Konzeption</a:t>
             </a:r>
             <a:br>
-              <a:rPr lang="de-DE" b="1" dirty="0"/>
+              <a:rPr lang="de-DE" b="1"/>
             </a:br>
-            <a:endParaRPr lang="de-DE" b="1" dirty="0"/>
+            <a:endParaRPr lang="de-DE" b="1"/>
           </a:p>
           <a:p>
-            <a:endParaRPr lang="de-DE" b="1" dirty="0"/>
+            <a:endParaRPr lang="de-DE" b="1"/>
           </a:p>
         </p:txBody>
       </p:sp>
@@ -29444,16 +29481,16 @@
           <a:lstStyle/>
           <a:p>
             <a:r>
-              <a:rPr lang="de-DE" sz="1400" b="1" dirty="0"/>
+              <a:rPr lang="de-DE" sz="1400" b="1"/>
               <a:t>➔ Konzeption</a:t>
             </a:r>
             <a:br>
-              <a:rPr lang="de-DE" b="1" dirty="0"/>
+              <a:rPr lang="de-DE" b="1"/>
             </a:br>
-            <a:endParaRPr lang="de-DE" b="1" dirty="0"/>
+            <a:endParaRPr lang="de-DE" b="1"/>
           </a:p>
           <a:p>
-            <a:endParaRPr lang="de-DE" b="1" dirty="0"/>
+            <a:endParaRPr lang="de-DE" b="1"/>
           </a:p>
         </p:txBody>
       </p:sp>
@@ -29529,7 +29566,7 @@
           <a:lstStyle/>
           <a:p>
             <a:r>
-              <a:rPr lang="de-DE" sz="2600" dirty="0"/>
+              <a:rPr lang="de-DE" sz="2600"/>
               <a:t>Implementierung</a:t>
             </a:r>
           </a:p>
@@ -29696,16 +29733,16 @@
           <a:lstStyle/>
           <a:p>
             <a:r>
-              <a:rPr lang="de-DE" sz="1400" b="1" dirty="0"/>
+              <a:rPr lang="de-DE" sz="1400" b="1"/>
               <a:t>➔ Implementierung</a:t>
             </a:r>
             <a:br>
-              <a:rPr lang="de-DE" b="1" dirty="0"/>
+              <a:rPr lang="de-DE" b="1"/>
             </a:br>
-            <a:endParaRPr lang="de-DE" b="1" dirty="0"/>
+            <a:endParaRPr lang="de-DE" b="1"/>
           </a:p>
           <a:p>
-            <a:endParaRPr lang="de-DE" b="1" dirty="0"/>
+            <a:endParaRPr lang="de-DE" b="1"/>
           </a:p>
         </p:txBody>
       </p:sp>
@@ -29868,16 +29905,16 @@
           <a:lstStyle/>
           <a:p>
             <a:r>
-              <a:rPr lang="de-DE" sz="1400" b="1" dirty="0"/>
+              <a:rPr lang="de-DE" sz="1400" b="1"/>
               <a:t>➔ Implementierung</a:t>
             </a:r>
             <a:br>
-              <a:rPr lang="de-DE" b="1" dirty="0"/>
+              <a:rPr lang="de-DE" b="1"/>
             </a:br>
-            <a:endParaRPr lang="de-DE" b="1" dirty="0"/>
+            <a:endParaRPr lang="de-DE" b="1"/>
           </a:p>
           <a:p>
-            <a:endParaRPr lang="de-DE" b="1" dirty="0"/>
+            <a:endParaRPr lang="de-DE" b="1"/>
           </a:p>
         </p:txBody>
       </p:sp>

--- a/docs/HTW-Quiz (Abschlusspräsentation).pptx
+++ b/docs/HTW-Quiz (Abschlusspräsentation).pptx
@@ -18953,7 +18953,7 @@
           <a:p>
             <a:fld id="{EC1BB0AA-FFD6-8349-BA5F-8D8AC7EFA371}" type="datetimeFigureOut">
               <a:rPr lang="de-DE" smtClean="0"/>
-              <a:t>24.08.2018</a:t>
+              <a:t>25.08.2018</a:t>
             </a:fld>
             <a:endParaRPr lang="de-DE"/>
           </a:p>
@@ -19119,7 +19119,7 @@
             <a:fld id="{7BF062F9-8B9D-488C-A30E-01E8F5B28DD8}" type="datetimeFigureOut">
               <a:rPr lang="de-DE" smtClean="0"/>
               <a:pPr/>
-              <a:t>24.08.2018</a:t>
+              <a:t>25.08.2018</a:t>
             </a:fld>
             <a:endParaRPr lang="de-DE"/>
           </a:p>
@@ -29192,8 +29192,8 @@
         </p:blipFill>
         <p:spPr>
           <a:xfrm>
-            <a:off x="3007748" y="810766"/>
-            <a:ext cx="3057252" cy="5724059"/>
+            <a:off x="2789499" y="763853"/>
+            <a:ext cx="3275501" cy="5454451"/>
           </a:xfrm>
           <a:prstGeom prst="rect">
             <a:avLst/>
@@ -29689,15 +29689,21 @@
           <p:nvPr/>
         </p:nvPicPr>
         <p:blipFill>
-          <a:blip r:embed="rId3"/>
+          <a:blip r:embed="rId3">
+            <a:extLst>
+              <a:ext uri="{28A0092B-C50C-407E-A947-70E740481C1C}">
+                <a14:useLocalDpi xmlns:a14="http://schemas.microsoft.com/office/drawing/2010/main" val="0"/>
+              </a:ext>
+            </a:extLst>
+          </a:blip>
           <a:stretch>
             <a:fillRect/>
           </a:stretch>
         </p:blipFill>
         <p:spPr>
           <a:xfrm>
-            <a:off x="500062" y="1214437"/>
-            <a:ext cx="8143875" cy="4429125"/>
+            <a:off x="664801" y="1392817"/>
+            <a:ext cx="8109541" cy="4461793"/>
           </a:xfrm>
           <a:prstGeom prst="rect">
             <a:avLst/>
